--- a/大数据怎么存？/Big-data-homework1展示ppt.pptx
+++ b/大数据怎么存？/Big-data-homework1展示ppt.pptx
@@ -2,7 +2,7 @@
 <file path=ppt/presentation.xml><?xml version="1.0" encoding="utf-8"?>
 <p:presentation xmlns:a="http://schemas.openxmlformats.org/drawingml/2006/main" xmlns:r="http://schemas.openxmlformats.org/officeDocument/2006/relationships" xmlns:p="http://schemas.openxmlformats.org/presentationml/2006/main" saveSubsetFonts="1">
   <p:sldMasterIdLst>
-    <p:sldMasterId id="2147483648" r:id="rId1"/>
+    <p:sldMasterId id="2147483672" r:id="rId1"/>
   </p:sldMasterIdLst>
   <p:sldIdLst>
     <p:sldId id="256" r:id="rId2"/>
@@ -33,9 +33,9 @@
   <p:notesSz cx="6858000" cy="9144000"/>
   <p:defaultTextStyle>
     <a:defPPr>
-      <a:defRPr lang="zh-CN"/>
+      <a:defRPr lang="en-US"/>
     </a:defPPr>
-    <a:lvl1pPr marL="0" algn="l" defTabSz="914400" rtl="0" eaLnBrk="1" latinLnBrk="0" hangingPunct="1">
+    <a:lvl1pPr marL="0" algn="l" defTabSz="457200" rtl="0" eaLnBrk="1" latinLnBrk="0" hangingPunct="1">
       <a:defRPr sz="1800" kern="1200">
         <a:solidFill>
           <a:schemeClr val="tx1"/>
@@ -45,7 +45,7 @@
         <a:cs typeface="+mn-cs"/>
       </a:defRPr>
     </a:lvl1pPr>
-    <a:lvl2pPr marL="457200" algn="l" defTabSz="914400" rtl="0" eaLnBrk="1" latinLnBrk="0" hangingPunct="1">
+    <a:lvl2pPr marL="457200" algn="l" defTabSz="457200" rtl="0" eaLnBrk="1" latinLnBrk="0" hangingPunct="1">
       <a:defRPr sz="1800" kern="1200">
         <a:solidFill>
           <a:schemeClr val="tx1"/>
@@ -55,7 +55,7 @@
         <a:cs typeface="+mn-cs"/>
       </a:defRPr>
     </a:lvl2pPr>
-    <a:lvl3pPr marL="914400" algn="l" defTabSz="914400" rtl="0" eaLnBrk="1" latinLnBrk="0" hangingPunct="1">
+    <a:lvl3pPr marL="914400" algn="l" defTabSz="457200" rtl="0" eaLnBrk="1" latinLnBrk="0" hangingPunct="1">
       <a:defRPr sz="1800" kern="1200">
         <a:solidFill>
           <a:schemeClr val="tx1"/>
@@ -65,7 +65,7 @@
         <a:cs typeface="+mn-cs"/>
       </a:defRPr>
     </a:lvl3pPr>
-    <a:lvl4pPr marL="1371600" algn="l" defTabSz="914400" rtl="0" eaLnBrk="1" latinLnBrk="0" hangingPunct="1">
+    <a:lvl4pPr marL="1371600" algn="l" defTabSz="457200" rtl="0" eaLnBrk="1" latinLnBrk="0" hangingPunct="1">
       <a:defRPr sz="1800" kern="1200">
         <a:solidFill>
           <a:schemeClr val="tx1"/>
@@ -75,7 +75,7 @@
         <a:cs typeface="+mn-cs"/>
       </a:defRPr>
     </a:lvl4pPr>
-    <a:lvl5pPr marL="1828800" algn="l" defTabSz="914400" rtl="0" eaLnBrk="1" latinLnBrk="0" hangingPunct="1">
+    <a:lvl5pPr marL="1828800" algn="l" defTabSz="457200" rtl="0" eaLnBrk="1" latinLnBrk="0" hangingPunct="1">
       <a:defRPr sz="1800" kern="1200">
         <a:solidFill>
           <a:schemeClr val="tx1"/>
@@ -85,7 +85,7 @@
         <a:cs typeface="+mn-cs"/>
       </a:defRPr>
     </a:lvl5pPr>
-    <a:lvl6pPr marL="2286000" algn="l" defTabSz="914400" rtl="0" eaLnBrk="1" latinLnBrk="0" hangingPunct="1">
+    <a:lvl6pPr marL="2286000" algn="l" defTabSz="457200" rtl="0" eaLnBrk="1" latinLnBrk="0" hangingPunct="1">
       <a:defRPr sz="1800" kern="1200">
         <a:solidFill>
           <a:schemeClr val="tx1"/>
@@ -95,7 +95,7 @@
         <a:cs typeface="+mn-cs"/>
       </a:defRPr>
     </a:lvl6pPr>
-    <a:lvl7pPr marL="2743200" algn="l" defTabSz="914400" rtl="0" eaLnBrk="1" latinLnBrk="0" hangingPunct="1">
+    <a:lvl7pPr marL="2743200" algn="l" defTabSz="457200" rtl="0" eaLnBrk="1" latinLnBrk="0" hangingPunct="1">
       <a:defRPr sz="1800" kern="1200">
         <a:solidFill>
           <a:schemeClr val="tx1"/>
@@ -105,7 +105,7 @@
         <a:cs typeface="+mn-cs"/>
       </a:defRPr>
     </a:lvl7pPr>
-    <a:lvl8pPr marL="3200400" algn="l" defTabSz="914400" rtl="0" eaLnBrk="1" latinLnBrk="0" hangingPunct="1">
+    <a:lvl8pPr marL="3200400" algn="l" defTabSz="457200" rtl="0" eaLnBrk="1" latinLnBrk="0" hangingPunct="1">
       <a:defRPr sz="1800" kern="1200">
         <a:solidFill>
           <a:schemeClr val="tx1"/>
@@ -115,7 +115,7 @@
         <a:cs typeface="+mn-cs"/>
       </a:defRPr>
     </a:lvl8pPr>
-    <a:lvl9pPr marL="3657600" algn="l" defTabSz="914400" rtl="0" eaLnBrk="1" latinLnBrk="0" hangingPunct="1">
+    <a:lvl9pPr marL="3657600" algn="l" defTabSz="457200" rtl="0" eaLnBrk="1" latinLnBrk="0" hangingPunct="1">
       <a:defRPr sz="1800" kern="1200">
         <a:solidFill>
           <a:schemeClr val="tx1"/>
@@ -126,12 +126,25 @@
       </a:defRPr>
     </a:lvl9pPr>
   </p:defaultTextStyle>
+  <p:extLst>
+    <p:ext uri="{EFAFB233-063F-42B5-8137-9DF3F51BA10A}">
+      <p15:sldGuideLst xmlns:p15="http://schemas.microsoft.com/office/powerpoint/2012/main"/>
+    </p:ext>
+  </p:extLst>
 </p:presentation>
 </file>
 
 <file path=ppt/slideLayouts/slideLayout1.xml><?xml version="1.0" encoding="utf-8"?>
-<p:sldLayout xmlns:a="http://schemas.openxmlformats.org/drawingml/2006/main" xmlns:r="http://schemas.openxmlformats.org/officeDocument/2006/relationships" xmlns:p="http://schemas.openxmlformats.org/presentationml/2006/main" type="title" preserve="1">
+<p:sldLayout xmlns:a="http://schemas.openxmlformats.org/drawingml/2006/main" xmlns:r="http://schemas.openxmlformats.org/officeDocument/2006/relationships" xmlns:p="http://schemas.openxmlformats.org/presentationml/2006/main" showMasterSp="0" type="title" preserve="1">
   <p:cSld name="标题幻灯片">
+    <p:bg>
+      <p:bgPr>
+        <a:solidFill>
+          <a:schemeClr val="bg2"/>
+        </a:solidFill>
+        <a:effectLst/>
+      </p:bgPr>
+    </p:bg>
     <p:spTree>
       <p:nvGrpSpPr>
         <p:cNvPr id="1" name=""/>
@@ -148,13 +161,7 @@
       </p:grpSpPr>
       <p:sp>
         <p:nvSpPr>
-          <p:cNvPr id="2" name="标题 1">
-            <a:extLst>
-              <a:ext uri="{FF2B5EF4-FFF2-40B4-BE49-F238E27FC236}">
-                <a16:creationId xmlns:a16="http://schemas.microsoft.com/office/drawing/2014/main" id="{F884A631-C7E7-422E-AA81-3BCBFDAB27C7}"/>
-              </a:ext>
-            </a:extLst>
-          </p:cNvPr>
+          <p:cNvPr id="2" name="Title 1"/>
           <p:cNvSpPr>
             <a:spLocks noGrp="1"/>
           </p:cNvSpPr>
@@ -164,15 +171,21 @@
         </p:nvSpPr>
         <p:spPr>
           <a:xfrm>
-            <a:off x="1524000" y="1122363"/>
-            <a:ext cx="9144000" cy="2387600"/>
-          </a:xfrm>
-        </p:spPr>
-        <p:txBody>
-          <a:bodyPr anchor="b"/>
+            <a:off x="1915128" y="1788454"/>
+            <a:ext cx="8361229" cy="2098226"/>
+          </a:xfrm>
+        </p:spPr>
+        <p:txBody>
+          <a:bodyPr anchor="b">
+            <a:noAutofit/>
+          </a:bodyPr>
           <a:lstStyle>
             <a:lvl1pPr algn="ctr">
-              <a:defRPr sz="6000"/>
+              <a:defRPr sz="7200" cap="all" baseline="0">
+                <a:solidFill>
+                  <a:schemeClr val="tx2"/>
+                </a:solidFill>
+              </a:defRPr>
             </a:lvl1pPr>
           </a:lstStyle>
           <a:p>
@@ -180,18 +193,13 @@
               <a:rPr lang="zh-CN" altLang="en-US"/>
               <a:t>单击此处编辑母版标题样式</a:t>
             </a:r>
-          </a:p>
-        </p:txBody>
-      </p:sp>
-      <p:sp>
-        <p:nvSpPr>
-          <p:cNvPr id="3" name="副标题 2">
-            <a:extLst>
-              <a:ext uri="{FF2B5EF4-FFF2-40B4-BE49-F238E27FC236}">
-                <a16:creationId xmlns:a16="http://schemas.microsoft.com/office/drawing/2014/main" id="{E13D51D8-7D86-4308-83EF-DDD007FCF3AD}"/>
-              </a:ext>
-            </a:extLst>
-          </p:cNvPr>
+            <a:endParaRPr lang="en-US" dirty="0"/>
+          </a:p>
+        </p:txBody>
+      </p:sp>
+      <p:sp>
+        <p:nvSpPr>
+          <p:cNvPr id="3" name="Subtitle 2"/>
           <p:cNvSpPr>
             <a:spLocks noGrp="1"/>
           </p:cNvSpPr>
@@ -201,16 +209,27 @@
         </p:nvSpPr>
         <p:spPr>
           <a:xfrm>
-            <a:off x="1524000" y="3602038"/>
-            <a:ext cx="9144000" cy="1655762"/>
-          </a:xfrm>
-        </p:spPr>
-        <p:txBody>
-          <a:bodyPr/>
+            <a:off x="2679906" y="3956279"/>
+            <a:ext cx="6831673" cy="1086237"/>
+          </a:xfrm>
+        </p:spPr>
+        <p:txBody>
+          <a:bodyPr>
+            <a:normAutofit/>
+          </a:bodyPr>
           <a:lstStyle>
             <a:lvl1pPr marL="0" indent="0" algn="ctr">
+              <a:lnSpc>
+                <a:spcPct val="112000"/>
+              </a:lnSpc>
+              <a:spcBef>
+                <a:spcPts val="0"/>
+              </a:spcBef>
+              <a:spcAft>
+                <a:spcPts val="0"/>
+              </a:spcAft>
               <a:buNone/>
-              <a:defRPr sz="2400"/>
+              <a:defRPr sz="2300"/>
             </a:lvl1pPr>
             <a:lvl2pPr marL="457200" indent="0" algn="ctr">
               <a:buNone/>
@@ -250,18 +269,13 @@
               <a:rPr lang="zh-CN" altLang="en-US"/>
               <a:t>单击此处编辑母版副标题样式</a:t>
             </a:r>
-          </a:p>
-        </p:txBody>
-      </p:sp>
-      <p:sp>
-        <p:nvSpPr>
-          <p:cNvPr id="4" name="日期占位符 3">
-            <a:extLst>
-              <a:ext uri="{FF2B5EF4-FFF2-40B4-BE49-F238E27FC236}">
-                <a16:creationId xmlns:a16="http://schemas.microsoft.com/office/drawing/2014/main" id="{0B9C149A-6E3D-4269-A276-8A5DEFD23644}"/>
-              </a:ext>
-            </a:extLst>
-          </p:cNvPr>
+            <a:endParaRPr lang="en-US" dirty="0"/>
+          </a:p>
+        </p:txBody>
+      </p:sp>
+      <p:sp>
+        <p:nvSpPr>
+          <p:cNvPr id="4" name="Date Placeholder 3"/>
           <p:cNvSpPr>
             <a:spLocks noGrp="1"/>
           </p:cNvSpPr>
@@ -269,14 +283,27 @@
             <p:ph type="dt" sz="half" idx="10"/>
           </p:nvPr>
         </p:nvSpPr>
-        <p:spPr/>
-        <p:txBody>
-          <a:bodyPr/>
-          <a:lstStyle/>
+        <p:spPr>
+          <a:xfrm>
+            <a:off x="752858" y="6453386"/>
+            <a:ext cx="1607944" cy="404614"/>
+          </a:xfrm>
+        </p:spPr>
+        <p:txBody>
+          <a:bodyPr/>
+          <a:lstStyle>
+            <a:lvl1pPr>
+              <a:defRPr baseline="0">
+                <a:solidFill>
+                  <a:schemeClr val="tx2"/>
+                </a:solidFill>
+              </a:defRPr>
+            </a:lvl1pPr>
+          </a:lstStyle>
           <a:p>
             <a:fld id="{128A4F67-7F60-41BA-AE93-9E52CE5232A9}" type="datetimeFigureOut">
               <a:rPr lang="zh-CN" altLang="en-US" smtClean="0"/>
-              <a:t>2021/6/3</a:t>
+              <a:t>2021/6/5</a:t>
             </a:fld>
             <a:endParaRPr lang="zh-CN" altLang="en-US"/>
           </a:p>
@@ -284,13 +311,7 @@
       </p:sp>
       <p:sp>
         <p:nvSpPr>
-          <p:cNvPr id="5" name="页脚占位符 4">
-            <a:extLst>
-              <a:ext uri="{FF2B5EF4-FFF2-40B4-BE49-F238E27FC236}">
-                <a16:creationId xmlns:a16="http://schemas.microsoft.com/office/drawing/2014/main" id="{C400E9DF-06C4-4A67-AC2E-A714E2AC9290}"/>
-              </a:ext>
-            </a:extLst>
-          </p:cNvPr>
+          <p:cNvPr id="5" name="Footer Placeholder 4"/>
           <p:cNvSpPr>
             <a:spLocks noGrp="1"/>
           </p:cNvSpPr>
@@ -298,10 +319,23 @@
             <p:ph type="ftr" sz="quarter" idx="11"/>
           </p:nvPr>
         </p:nvSpPr>
-        <p:spPr/>
-        <p:txBody>
-          <a:bodyPr/>
-          <a:lstStyle/>
+        <p:spPr>
+          <a:xfrm>
+            <a:off x="2584054" y="6453386"/>
+            <a:ext cx="7023377" cy="404614"/>
+          </a:xfrm>
+        </p:spPr>
+        <p:txBody>
+          <a:bodyPr/>
+          <a:lstStyle>
+            <a:lvl1pPr algn="ctr">
+              <a:defRPr baseline="0">
+                <a:solidFill>
+                  <a:schemeClr val="tx2"/>
+                </a:solidFill>
+              </a:defRPr>
+            </a:lvl1pPr>
+          </a:lstStyle>
           <a:p>
             <a:endParaRPr lang="zh-CN" altLang="en-US"/>
           </a:p>
@@ -309,13 +343,7 @@
       </p:sp>
       <p:sp>
         <p:nvSpPr>
-          <p:cNvPr id="6" name="灯片编号占位符 5">
-            <a:extLst>
-              <a:ext uri="{FF2B5EF4-FFF2-40B4-BE49-F238E27FC236}">
-                <a16:creationId xmlns:a16="http://schemas.microsoft.com/office/drawing/2014/main" id="{2324C518-3E27-4A6E-A1E8-3BEDD9BAC9F4}"/>
-              </a:ext>
-            </a:extLst>
-          </p:cNvPr>
+          <p:cNvPr id="6" name="Slide Number Placeholder 5"/>
           <p:cNvSpPr>
             <a:spLocks noGrp="1"/>
           </p:cNvSpPr>
@@ -323,10 +351,23 @@
             <p:ph type="sldNum" sz="quarter" idx="12"/>
           </p:nvPr>
         </p:nvSpPr>
-        <p:spPr/>
-        <p:txBody>
-          <a:bodyPr/>
-          <a:lstStyle/>
+        <p:spPr>
+          <a:xfrm>
+            <a:off x="9830683" y="6453386"/>
+            <a:ext cx="1596292" cy="404614"/>
+          </a:xfrm>
+        </p:spPr>
+        <p:txBody>
+          <a:bodyPr/>
+          <a:lstStyle>
+            <a:lvl1pPr>
+              <a:defRPr baseline="0">
+                <a:solidFill>
+                  <a:schemeClr val="tx2"/>
+                </a:solidFill>
+              </a:defRPr>
+            </a:lvl1pPr>
+          </a:lstStyle>
           <a:p>
             <a:fld id="{2D614098-5708-4EF4-8936-F6998C02DBAF}" type="slidenum">
               <a:rPr lang="zh-CN" altLang="en-US" smtClean="0"/>
@@ -336,15 +377,144 @@
           </a:p>
         </p:txBody>
       </p:sp>
+      <p:grpSp>
+        <p:nvGrpSpPr>
+          <p:cNvPr id="7" name="Group 6"/>
+          <p:cNvGrpSpPr/>
+          <p:nvPr/>
+        </p:nvGrpSpPr>
+        <p:grpSpPr>
+          <a:xfrm>
+            <a:off x="752858" y="744469"/>
+            <a:ext cx="10674117" cy="5349671"/>
+            <a:chOff x="752858" y="744469"/>
+            <a:chExt cx="10674117" cy="5349671"/>
+          </a:xfrm>
+        </p:grpSpPr>
+        <p:sp>
+          <p:nvSpPr>
+            <p:cNvPr id="11" name="Freeform 6"/>
+            <p:cNvSpPr/>
+            <p:nvPr/>
+          </p:nvSpPr>
+          <p:spPr bwMode="auto">
+            <a:xfrm>
+              <a:off x="8151962" y="1685652"/>
+              <a:ext cx="3275013" cy="4408488"/>
+            </a:xfrm>
+            <a:custGeom>
+              <a:avLst/>
+              <a:gdLst/>
+              <a:ahLst/>
+              <a:cxnLst/>
+              <a:rect l="l" t="t" r="r" b="b"/>
+              <a:pathLst>
+                <a:path w="10000" h="10000">
+                  <a:moveTo>
+                    <a:pt x="8761" y="0"/>
+                  </a:moveTo>
+                  <a:lnTo>
+                    <a:pt x="10000" y="0"/>
+                  </a:lnTo>
+                  <a:lnTo>
+                    <a:pt x="10000" y="10000"/>
+                  </a:lnTo>
+                  <a:lnTo>
+                    <a:pt x="0" y="10000"/>
+                  </a:lnTo>
+                  <a:lnTo>
+                    <a:pt x="0" y="9126"/>
+                  </a:lnTo>
+                  <a:lnTo>
+                    <a:pt x="8761" y="9127"/>
+                  </a:lnTo>
+                  <a:lnTo>
+                    <a:pt x="8761" y="0"/>
+                  </a:lnTo>
+                  <a:close/>
+                </a:path>
+              </a:pathLst>
+            </a:custGeom>
+            <a:solidFill>
+              <a:schemeClr val="tx2"/>
+            </a:solidFill>
+            <a:ln w="0">
+              <a:noFill/>
+              <a:prstDash val="solid"/>
+              <a:round/>
+              <a:headEnd/>
+              <a:tailEnd/>
+            </a:ln>
+          </p:spPr>
+        </p:sp>
+        <p:sp>
+          <p:nvSpPr>
+            <p:cNvPr id="14" name="Freeform 6"/>
+            <p:cNvSpPr/>
+            <p:nvPr/>
+          </p:nvSpPr>
+          <p:spPr bwMode="auto">
+            <a:xfrm flipH="1" flipV="1">
+              <a:off x="752858" y="744469"/>
+              <a:ext cx="3275668" cy="4408488"/>
+            </a:xfrm>
+            <a:custGeom>
+              <a:avLst/>
+              <a:gdLst/>
+              <a:ahLst/>
+              <a:cxnLst/>
+              <a:rect l="l" t="t" r="r" b="b"/>
+              <a:pathLst>
+                <a:path w="10002" h="10000">
+                  <a:moveTo>
+                    <a:pt x="8763" y="0"/>
+                  </a:moveTo>
+                  <a:lnTo>
+                    <a:pt x="10002" y="0"/>
+                  </a:lnTo>
+                  <a:lnTo>
+                    <a:pt x="10002" y="10000"/>
+                  </a:lnTo>
+                  <a:lnTo>
+                    <a:pt x="2" y="10000"/>
+                  </a:lnTo>
+                  <a:cubicBezTo>
+                    <a:pt x="-2" y="9698"/>
+                    <a:pt x="4" y="9427"/>
+                    <a:pt x="0" y="9125"/>
+                  </a:cubicBezTo>
+                  <a:lnTo>
+                    <a:pt x="8763" y="9128"/>
+                  </a:lnTo>
+                  <a:lnTo>
+                    <a:pt x="8763" y="0"/>
+                  </a:lnTo>
+                  <a:close/>
+                </a:path>
+              </a:pathLst>
+            </a:custGeom>
+            <a:solidFill>
+              <a:schemeClr val="tx2"/>
+            </a:solidFill>
+            <a:ln w="0">
+              <a:noFill/>
+              <a:prstDash val="solid"/>
+              <a:round/>
+              <a:headEnd/>
+              <a:tailEnd/>
+            </a:ln>
+          </p:spPr>
+        </p:sp>
+      </p:grpSp>
     </p:spTree>
     <p:extLst>
       <p:ext uri="{BB962C8B-B14F-4D97-AF65-F5344CB8AC3E}">
-        <p14:creationId xmlns:p14="http://schemas.microsoft.com/office/powerpoint/2010/main" val="3244171915"/>
+        <p14:creationId xmlns:p14="http://schemas.microsoft.com/office/powerpoint/2010/main" val="1853287082"/>
       </p:ext>
     </p:extLst>
   </p:cSld>
   <p:clrMapOvr>
-    <a:masterClrMapping/>
+    <a:overrideClrMapping bg1="lt1" tx1="dk1" bg2="lt2" tx2="dk2" accent1="accent1" accent2="accent2" accent3="accent3" accent4="accent4" accent5="accent5" accent6="accent6" hlink="hlink" folHlink="folHlink"/>
   </p:clrMapOvr>
 </p:sldLayout>
 </file>
@@ -368,13 +538,7 @@
       </p:grpSpPr>
       <p:sp>
         <p:nvSpPr>
-          <p:cNvPr id="2" name="标题 1">
-            <a:extLst>
-              <a:ext uri="{FF2B5EF4-FFF2-40B4-BE49-F238E27FC236}">
-                <a16:creationId xmlns:a16="http://schemas.microsoft.com/office/drawing/2014/main" id="{784E22B8-09B3-4304-8A37-5059CF1106F4}"/>
-              </a:ext>
-            </a:extLst>
-          </p:cNvPr>
+          <p:cNvPr id="2" name="Title 1"/>
           <p:cNvSpPr>
             <a:spLocks noGrp="1"/>
           </p:cNvSpPr>
@@ -391,18 +555,13 @@
               <a:rPr lang="zh-CN" altLang="en-US"/>
               <a:t>单击此处编辑母版标题样式</a:t>
             </a:r>
-          </a:p>
-        </p:txBody>
-      </p:sp>
-      <p:sp>
-        <p:nvSpPr>
-          <p:cNvPr id="3" name="竖排文字占位符 2">
-            <a:extLst>
-              <a:ext uri="{FF2B5EF4-FFF2-40B4-BE49-F238E27FC236}">
-                <a16:creationId xmlns:a16="http://schemas.microsoft.com/office/drawing/2014/main" id="{873FFFBF-D52F-4336-88BF-DFF3A2C61924}"/>
-              </a:ext>
-            </a:extLst>
-          </p:cNvPr>
+            <a:endParaRPr lang="en-US" dirty="0"/>
+          </a:p>
+        </p:txBody>
+      </p:sp>
+      <p:sp>
+        <p:nvSpPr>
+          <p:cNvPr id="3" name="Vertical Text Placeholder 2"/>
           <p:cNvSpPr>
             <a:spLocks noGrp="1"/>
           </p:cNvSpPr>
@@ -410,7 +569,12 @@
             <p:ph type="body" orient="vert" idx="1"/>
           </p:nvPr>
         </p:nvSpPr>
-        <p:spPr/>
+        <p:spPr>
+          <a:xfrm>
+            <a:off x="1371600" y="2295525"/>
+            <a:ext cx="9601200" cy="3571875"/>
+          </a:xfrm>
+        </p:spPr>
         <p:txBody>
           <a:bodyPr vert="eaVert"/>
           <a:lstStyle/>
@@ -448,18 +612,13 @@
               <a:rPr lang="zh-CN" altLang="en-US"/>
               <a:t>五级</a:t>
             </a:r>
-          </a:p>
-        </p:txBody>
-      </p:sp>
-      <p:sp>
-        <p:nvSpPr>
-          <p:cNvPr id="4" name="日期占位符 3">
-            <a:extLst>
-              <a:ext uri="{FF2B5EF4-FFF2-40B4-BE49-F238E27FC236}">
-                <a16:creationId xmlns:a16="http://schemas.microsoft.com/office/drawing/2014/main" id="{C351C8D7-18F0-4D8D-9F27-5C9E31538E1E}"/>
-              </a:ext>
-            </a:extLst>
-          </p:cNvPr>
+            <a:endParaRPr lang="en-US" dirty="0"/>
+          </a:p>
+        </p:txBody>
+      </p:sp>
+      <p:sp>
+        <p:nvSpPr>
+          <p:cNvPr id="4" name="Date Placeholder 3"/>
           <p:cNvSpPr>
             <a:spLocks noGrp="1"/>
           </p:cNvSpPr>
@@ -474,7 +633,7 @@
           <a:p>
             <a:fld id="{128A4F67-7F60-41BA-AE93-9E52CE5232A9}" type="datetimeFigureOut">
               <a:rPr lang="zh-CN" altLang="en-US" smtClean="0"/>
-              <a:t>2021/6/3</a:t>
+              <a:t>2021/6/5</a:t>
             </a:fld>
             <a:endParaRPr lang="zh-CN" altLang="en-US"/>
           </a:p>
@@ -482,13 +641,7 @@
       </p:sp>
       <p:sp>
         <p:nvSpPr>
-          <p:cNvPr id="5" name="页脚占位符 4">
-            <a:extLst>
-              <a:ext uri="{FF2B5EF4-FFF2-40B4-BE49-F238E27FC236}">
-                <a16:creationId xmlns:a16="http://schemas.microsoft.com/office/drawing/2014/main" id="{831711ED-A7E6-40C8-8F12-F918D7EC4B13}"/>
-              </a:ext>
-            </a:extLst>
-          </p:cNvPr>
+          <p:cNvPr id="5" name="Footer Placeholder 4"/>
           <p:cNvSpPr>
             <a:spLocks noGrp="1"/>
           </p:cNvSpPr>
@@ -507,13 +660,7 @@
       </p:sp>
       <p:sp>
         <p:nvSpPr>
-          <p:cNvPr id="6" name="灯片编号占位符 5">
-            <a:extLst>
-              <a:ext uri="{FF2B5EF4-FFF2-40B4-BE49-F238E27FC236}">
-                <a16:creationId xmlns:a16="http://schemas.microsoft.com/office/drawing/2014/main" id="{4616E4F8-F97D-49F1-98FA-FBF166B8E9A2}"/>
-              </a:ext>
-            </a:extLst>
-          </p:cNvPr>
+          <p:cNvPr id="6" name="Slide Number Placeholder 5"/>
           <p:cNvSpPr>
             <a:spLocks noGrp="1"/>
           </p:cNvSpPr>
@@ -537,7 +684,7 @@
     </p:spTree>
     <p:extLst>
       <p:ext uri="{BB962C8B-B14F-4D97-AF65-F5344CB8AC3E}">
-        <p14:creationId xmlns:p14="http://schemas.microsoft.com/office/powerpoint/2010/main" val="299136139"/>
+        <p14:creationId xmlns:p14="http://schemas.microsoft.com/office/powerpoint/2010/main" val="2499224194"/>
       </p:ext>
     </p:extLst>
   </p:cSld>
@@ -566,13 +713,7 @@
       </p:grpSpPr>
       <p:sp>
         <p:nvSpPr>
-          <p:cNvPr id="2" name="竖排标题 1">
-            <a:extLst>
-              <a:ext uri="{FF2B5EF4-FFF2-40B4-BE49-F238E27FC236}">
-                <a16:creationId xmlns:a16="http://schemas.microsoft.com/office/drawing/2014/main" id="{A484F090-19A4-46A4-8C0B-DB243EA63D8C}"/>
-              </a:ext>
-            </a:extLst>
-          </p:cNvPr>
+          <p:cNvPr id="2" name="Vertical Title 1"/>
           <p:cNvSpPr>
             <a:spLocks noGrp="1"/>
           </p:cNvSpPr>
@@ -582,8 +723,8 @@
         </p:nvSpPr>
         <p:spPr>
           <a:xfrm>
-            <a:off x="8724900" y="365125"/>
-            <a:ext cx="2628900" cy="5811838"/>
+            <a:off x="9596561" y="624156"/>
+            <a:ext cx="1565766" cy="5243244"/>
           </a:xfrm>
         </p:spPr>
         <p:txBody>
@@ -594,18 +735,13 @@
               <a:rPr lang="zh-CN" altLang="en-US"/>
               <a:t>单击此处编辑母版标题样式</a:t>
             </a:r>
-          </a:p>
-        </p:txBody>
-      </p:sp>
-      <p:sp>
-        <p:nvSpPr>
-          <p:cNvPr id="3" name="竖排文字占位符 2">
-            <a:extLst>
-              <a:ext uri="{FF2B5EF4-FFF2-40B4-BE49-F238E27FC236}">
-                <a16:creationId xmlns:a16="http://schemas.microsoft.com/office/drawing/2014/main" id="{B39C5DD6-6DFE-4D0A-98F1-9CA1ACC3A932}"/>
-              </a:ext>
-            </a:extLst>
-          </p:cNvPr>
+            <a:endParaRPr lang="en-US" dirty="0"/>
+          </a:p>
+        </p:txBody>
+      </p:sp>
+      <p:sp>
+        <p:nvSpPr>
+          <p:cNvPr id="3" name="Vertical Text Placeholder 2"/>
           <p:cNvSpPr>
             <a:spLocks noGrp="1"/>
           </p:cNvSpPr>
@@ -615,8 +751,8 @@
         </p:nvSpPr>
         <p:spPr>
           <a:xfrm>
-            <a:off x="838200" y="365125"/>
-            <a:ext cx="7734300" cy="5811838"/>
+            <a:off x="1371600" y="624156"/>
+            <a:ext cx="8179641" cy="5243244"/>
           </a:xfrm>
         </p:spPr>
         <p:txBody>
@@ -656,18 +792,13 @@
               <a:rPr lang="zh-CN" altLang="en-US"/>
               <a:t>五级</a:t>
             </a:r>
-          </a:p>
-        </p:txBody>
-      </p:sp>
-      <p:sp>
-        <p:nvSpPr>
-          <p:cNvPr id="4" name="日期占位符 3">
-            <a:extLst>
-              <a:ext uri="{FF2B5EF4-FFF2-40B4-BE49-F238E27FC236}">
-                <a16:creationId xmlns:a16="http://schemas.microsoft.com/office/drawing/2014/main" id="{1CA8F4A1-DDA6-46AF-AF5E-0CCE76501149}"/>
-              </a:ext>
-            </a:extLst>
-          </p:cNvPr>
+            <a:endParaRPr lang="en-US" dirty="0"/>
+          </a:p>
+        </p:txBody>
+      </p:sp>
+      <p:sp>
+        <p:nvSpPr>
+          <p:cNvPr id="4" name="Date Placeholder 3"/>
           <p:cNvSpPr>
             <a:spLocks noGrp="1"/>
           </p:cNvSpPr>
@@ -682,7 +813,7 @@
           <a:p>
             <a:fld id="{128A4F67-7F60-41BA-AE93-9E52CE5232A9}" type="datetimeFigureOut">
               <a:rPr lang="zh-CN" altLang="en-US" smtClean="0"/>
-              <a:t>2021/6/3</a:t>
+              <a:t>2021/6/5</a:t>
             </a:fld>
             <a:endParaRPr lang="zh-CN" altLang="en-US"/>
           </a:p>
@@ -690,13 +821,7 @@
       </p:sp>
       <p:sp>
         <p:nvSpPr>
-          <p:cNvPr id="5" name="页脚占位符 4">
-            <a:extLst>
-              <a:ext uri="{FF2B5EF4-FFF2-40B4-BE49-F238E27FC236}">
-                <a16:creationId xmlns:a16="http://schemas.microsoft.com/office/drawing/2014/main" id="{68A96D4C-050F-4EB1-94EA-C3A9530F0890}"/>
-              </a:ext>
-            </a:extLst>
-          </p:cNvPr>
+          <p:cNvPr id="5" name="Footer Placeholder 4"/>
           <p:cNvSpPr>
             <a:spLocks noGrp="1"/>
           </p:cNvSpPr>
@@ -715,13 +840,7 @@
       </p:sp>
       <p:sp>
         <p:nvSpPr>
-          <p:cNvPr id="6" name="灯片编号占位符 5">
-            <a:extLst>
-              <a:ext uri="{FF2B5EF4-FFF2-40B4-BE49-F238E27FC236}">
-                <a16:creationId xmlns:a16="http://schemas.microsoft.com/office/drawing/2014/main" id="{49696698-DB0C-4F2C-B190-D3073F7E6A2F}"/>
-              </a:ext>
-            </a:extLst>
-          </p:cNvPr>
+          <p:cNvPr id="6" name="Slide Number Placeholder 5"/>
           <p:cNvSpPr>
             <a:spLocks noGrp="1"/>
           </p:cNvSpPr>
@@ -745,7 +864,7 @@
     </p:spTree>
     <p:extLst>
       <p:ext uri="{BB962C8B-B14F-4D97-AF65-F5344CB8AC3E}">
-        <p14:creationId xmlns:p14="http://schemas.microsoft.com/office/powerpoint/2010/main" val="3129551015"/>
+        <p14:creationId xmlns:p14="http://schemas.microsoft.com/office/powerpoint/2010/main" val="1086239164"/>
       </p:ext>
     </p:extLst>
   </p:cSld>
@@ -774,13 +893,7 @@
       </p:grpSpPr>
       <p:sp>
         <p:nvSpPr>
-          <p:cNvPr id="2" name="标题 1">
-            <a:extLst>
-              <a:ext uri="{FF2B5EF4-FFF2-40B4-BE49-F238E27FC236}">
-                <a16:creationId xmlns:a16="http://schemas.microsoft.com/office/drawing/2014/main" id="{98A591C4-5183-47FD-89A0-B818C68365FF}"/>
-              </a:ext>
-            </a:extLst>
-          </p:cNvPr>
+          <p:cNvPr id="2" name="Title 1"/>
           <p:cNvSpPr>
             <a:spLocks noGrp="1"/>
           </p:cNvSpPr>
@@ -797,18 +910,13 @@
               <a:rPr lang="zh-CN" altLang="en-US"/>
               <a:t>单击此处编辑母版标题样式</a:t>
             </a:r>
-          </a:p>
-        </p:txBody>
-      </p:sp>
-      <p:sp>
-        <p:nvSpPr>
-          <p:cNvPr id="3" name="内容占位符 2">
-            <a:extLst>
-              <a:ext uri="{FF2B5EF4-FFF2-40B4-BE49-F238E27FC236}">
-                <a16:creationId xmlns:a16="http://schemas.microsoft.com/office/drawing/2014/main" id="{2F9819D8-9EC1-48CD-BA7A-B8A6037C750A}"/>
-              </a:ext>
-            </a:extLst>
-          </p:cNvPr>
+            <a:endParaRPr lang="en-US" dirty="0"/>
+          </a:p>
+        </p:txBody>
+      </p:sp>
+      <p:sp>
+        <p:nvSpPr>
+          <p:cNvPr id="3" name="Content Placeholder 2"/>
           <p:cNvSpPr>
             <a:spLocks noGrp="1"/>
           </p:cNvSpPr>
@@ -854,18 +962,13 @@
               <a:rPr lang="zh-CN" altLang="en-US"/>
               <a:t>五级</a:t>
             </a:r>
-          </a:p>
-        </p:txBody>
-      </p:sp>
-      <p:sp>
-        <p:nvSpPr>
-          <p:cNvPr id="4" name="日期占位符 3">
-            <a:extLst>
-              <a:ext uri="{FF2B5EF4-FFF2-40B4-BE49-F238E27FC236}">
-                <a16:creationId xmlns:a16="http://schemas.microsoft.com/office/drawing/2014/main" id="{CD455BF6-CAFD-4A02-A17C-2C8CFD5DE224}"/>
-              </a:ext>
-            </a:extLst>
-          </p:cNvPr>
+            <a:endParaRPr lang="en-US" dirty="0"/>
+          </a:p>
+        </p:txBody>
+      </p:sp>
+      <p:sp>
+        <p:nvSpPr>
+          <p:cNvPr id="4" name="Date Placeholder 3"/>
           <p:cNvSpPr>
             <a:spLocks noGrp="1"/>
           </p:cNvSpPr>
@@ -880,7 +983,7 @@
           <a:p>
             <a:fld id="{128A4F67-7F60-41BA-AE93-9E52CE5232A9}" type="datetimeFigureOut">
               <a:rPr lang="zh-CN" altLang="en-US" smtClean="0"/>
-              <a:t>2021/6/3</a:t>
+              <a:t>2021/6/5</a:t>
             </a:fld>
             <a:endParaRPr lang="zh-CN" altLang="en-US"/>
           </a:p>
@@ -888,13 +991,7 @@
       </p:sp>
       <p:sp>
         <p:nvSpPr>
-          <p:cNvPr id="5" name="页脚占位符 4">
-            <a:extLst>
-              <a:ext uri="{FF2B5EF4-FFF2-40B4-BE49-F238E27FC236}">
-                <a16:creationId xmlns:a16="http://schemas.microsoft.com/office/drawing/2014/main" id="{ED0A7060-AED7-47EE-A419-86A543C33695}"/>
-              </a:ext>
-            </a:extLst>
-          </p:cNvPr>
+          <p:cNvPr id="5" name="Footer Placeholder 4"/>
           <p:cNvSpPr>
             <a:spLocks noGrp="1"/>
           </p:cNvSpPr>
@@ -913,13 +1010,7 @@
       </p:sp>
       <p:sp>
         <p:nvSpPr>
-          <p:cNvPr id="6" name="灯片编号占位符 5">
-            <a:extLst>
-              <a:ext uri="{FF2B5EF4-FFF2-40B4-BE49-F238E27FC236}">
-                <a16:creationId xmlns:a16="http://schemas.microsoft.com/office/drawing/2014/main" id="{EC1E9BC1-8EC8-4D49-954A-4E3CD026FCC6}"/>
-              </a:ext>
-            </a:extLst>
-          </p:cNvPr>
+          <p:cNvPr id="6" name="Slide Number Placeholder 5"/>
           <p:cNvSpPr>
             <a:spLocks noGrp="1"/>
           </p:cNvSpPr>
@@ -943,7 +1034,7 @@
     </p:spTree>
     <p:extLst>
       <p:ext uri="{BB962C8B-B14F-4D97-AF65-F5344CB8AC3E}">
-        <p14:creationId xmlns:p14="http://schemas.microsoft.com/office/powerpoint/2010/main" val="4022335773"/>
+        <p14:creationId xmlns:p14="http://schemas.microsoft.com/office/powerpoint/2010/main" val="1591280848"/>
       </p:ext>
     </p:extLst>
   </p:cSld>
@@ -954,8 +1045,13 @@
 </file>
 
 <file path=ppt/slideLayouts/slideLayout3.xml><?xml version="1.0" encoding="utf-8"?>
-<p:sldLayout xmlns:a="http://schemas.openxmlformats.org/drawingml/2006/main" xmlns:r="http://schemas.openxmlformats.org/officeDocument/2006/relationships" xmlns:p="http://schemas.openxmlformats.org/presentationml/2006/main" type="secHead" preserve="1">
+<p:sldLayout xmlns:a="http://schemas.openxmlformats.org/drawingml/2006/main" xmlns:r="http://schemas.openxmlformats.org/officeDocument/2006/relationships" xmlns:p="http://schemas.openxmlformats.org/presentationml/2006/main" showMasterSp="0" type="secHead" preserve="1">
   <p:cSld name="节标题">
+    <p:bg>
+      <p:bgRef idx="1001">
+        <a:schemeClr val="bg2"/>
+      </p:bgRef>
+    </p:bg>
     <p:spTree>
       <p:nvGrpSpPr>
         <p:cNvPr id="1" name=""/>
@@ -972,13 +1068,7 @@
       </p:grpSpPr>
       <p:sp>
         <p:nvSpPr>
-          <p:cNvPr id="2" name="标题 1">
-            <a:extLst>
-              <a:ext uri="{FF2B5EF4-FFF2-40B4-BE49-F238E27FC236}">
-                <a16:creationId xmlns:a16="http://schemas.microsoft.com/office/drawing/2014/main" id="{51F484F7-495D-451C-8089-6291E58D809F}"/>
-              </a:ext>
-            </a:extLst>
-          </p:cNvPr>
+          <p:cNvPr id="2" name="Title 1"/>
           <p:cNvSpPr>
             <a:spLocks noGrp="1"/>
           </p:cNvSpPr>
@@ -988,15 +1078,21 @@
         </p:nvSpPr>
         <p:spPr>
           <a:xfrm>
-            <a:off x="831850" y="1709738"/>
-            <a:ext cx="10515600" cy="2852737"/>
-          </a:xfrm>
-        </p:spPr>
-        <p:txBody>
-          <a:bodyPr anchor="b"/>
+            <a:off x="765025" y="1301360"/>
+            <a:ext cx="9612971" cy="2852737"/>
+          </a:xfrm>
+        </p:spPr>
+        <p:txBody>
+          <a:bodyPr anchor="b">
+            <a:normAutofit/>
+          </a:bodyPr>
           <a:lstStyle>
-            <a:lvl1pPr>
-              <a:defRPr sz="6000"/>
+            <a:lvl1pPr algn="r">
+              <a:defRPr sz="7200" cap="all" baseline="0">
+                <a:solidFill>
+                  <a:schemeClr val="tx2"/>
+                </a:solidFill>
+              </a:defRPr>
             </a:lvl1pPr>
           </a:lstStyle>
           <a:p>
@@ -1004,18 +1100,13 @@
               <a:rPr lang="zh-CN" altLang="en-US"/>
               <a:t>单击此处编辑母版标题样式</a:t>
             </a:r>
-          </a:p>
-        </p:txBody>
-      </p:sp>
-      <p:sp>
-        <p:nvSpPr>
-          <p:cNvPr id="3" name="文本占位符 2">
-            <a:extLst>
-              <a:ext uri="{FF2B5EF4-FFF2-40B4-BE49-F238E27FC236}">
-                <a16:creationId xmlns:a16="http://schemas.microsoft.com/office/drawing/2014/main" id="{85D5EC34-6C9B-4E20-A895-0ECFB4BED6E5}"/>
-              </a:ext>
-            </a:extLst>
-          </p:cNvPr>
+            <a:endParaRPr lang="en-US" dirty="0"/>
+          </a:p>
+        </p:txBody>
+      </p:sp>
+      <p:sp>
+        <p:nvSpPr>
+          <p:cNvPr id="3" name="Text Placeholder 2"/>
           <p:cNvSpPr>
             <a:spLocks noGrp="1"/>
           </p:cNvSpPr>
@@ -1025,20 +1116,27 @@
         </p:nvSpPr>
         <p:spPr>
           <a:xfrm>
-            <a:off x="831850" y="4589463"/>
-            <a:ext cx="10515600" cy="1500187"/>
+            <a:off x="765025" y="4216328"/>
+            <a:ext cx="9612971" cy="1143324"/>
           </a:xfrm>
         </p:spPr>
         <p:txBody>
           <a:bodyPr/>
           <a:lstStyle>
-            <a:lvl1pPr marL="0" indent="0">
+            <a:lvl1pPr marL="0" indent="0" algn="r">
+              <a:lnSpc>
+                <a:spcPct val="112000"/>
+              </a:lnSpc>
+              <a:spcBef>
+                <a:spcPts val="0"/>
+              </a:spcBef>
+              <a:spcAft>
+                <a:spcPts val="0"/>
+              </a:spcAft>
               <a:buNone/>
               <a:defRPr sz="2400">
                 <a:solidFill>
-                  <a:schemeClr val="tx1">
-                    <a:tint val="75000"/>
-                  </a:schemeClr>
+                  <a:schemeClr val="tx2"/>
                 </a:solidFill>
               </a:defRPr>
             </a:lvl1pPr>
@@ -1134,13 +1232,7 @@
       </p:sp>
       <p:sp>
         <p:nvSpPr>
-          <p:cNvPr id="4" name="日期占位符 3">
-            <a:extLst>
-              <a:ext uri="{FF2B5EF4-FFF2-40B4-BE49-F238E27FC236}">
-                <a16:creationId xmlns:a16="http://schemas.microsoft.com/office/drawing/2014/main" id="{54DC8B72-0991-4037-B183-A963AEF41FEC}"/>
-              </a:ext>
-            </a:extLst>
-          </p:cNvPr>
+          <p:cNvPr id="4" name="Date Placeholder 3"/>
           <p:cNvSpPr>
             <a:spLocks noGrp="1"/>
           </p:cNvSpPr>
@@ -1148,14 +1240,27 @@
             <p:ph type="dt" sz="half" idx="10"/>
           </p:nvPr>
         </p:nvSpPr>
-        <p:spPr/>
-        <p:txBody>
-          <a:bodyPr/>
-          <a:lstStyle/>
+        <p:spPr>
+          <a:xfrm>
+            <a:off x="738908" y="6453386"/>
+            <a:ext cx="1622409" cy="404614"/>
+          </a:xfrm>
+        </p:spPr>
+        <p:txBody>
+          <a:bodyPr/>
+          <a:lstStyle>
+            <a:lvl1pPr>
+              <a:defRPr>
+                <a:solidFill>
+                  <a:schemeClr val="tx2"/>
+                </a:solidFill>
+              </a:defRPr>
+            </a:lvl1pPr>
+          </a:lstStyle>
           <a:p>
             <a:fld id="{128A4F67-7F60-41BA-AE93-9E52CE5232A9}" type="datetimeFigureOut">
               <a:rPr lang="zh-CN" altLang="en-US" smtClean="0"/>
-              <a:t>2021/6/3</a:t>
+              <a:t>2021/6/5</a:t>
             </a:fld>
             <a:endParaRPr lang="zh-CN" altLang="en-US"/>
           </a:p>
@@ -1163,13 +1268,7 @@
       </p:sp>
       <p:sp>
         <p:nvSpPr>
-          <p:cNvPr id="5" name="页脚占位符 4">
-            <a:extLst>
-              <a:ext uri="{FF2B5EF4-FFF2-40B4-BE49-F238E27FC236}">
-                <a16:creationId xmlns:a16="http://schemas.microsoft.com/office/drawing/2014/main" id="{A4AFC809-E2EA-411D-A378-22AC3E6ADE8B}"/>
-              </a:ext>
-            </a:extLst>
-          </p:cNvPr>
+          <p:cNvPr id="5" name="Footer Placeholder 4"/>
           <p:cNvSpPr>
             <a:spLocks noGrp="1"/>
           </p:cNvSpPr>
@@ -1177,10 +1276,23 @@
             <p:ph type="ftr" sz="quarter" idx="11"/>
           </p:nvPr>
         </p:nvSpPr>
-        <p:spPr/>
-        <p:txBody>
-          <a:bodyPr/>
-          <a:lstStyle/>
+        <p:spPr>
+          <a:xfrm>
+            <a:off x="2584312" y="6453386"/>
+            <a:ext cx="7023377" cy="404614"/>
+          </a:xfrm>
+        </p:spPr>
+        <p:txBody>
+          <a:bodyPr/>
+          <a:lstStyle>
+            <a:lvl1pPr algn="ctr">
+              <a:defRPr>
+                <a:solidFill>
+                  <a:schemeClr val="tx2"/>
+                </a:solidFill>
+              </a:defRPr>
+            </a:lvl1pPr>
+          </a:lstStyle>
           <a:p>
             <a:endParaRPr lang="zh-CN" altLang="en-US"/>
           </a:p>
@@ -1188,13 +1300,7 @@
       </p:sp>
       <p:sp>
         <p:nvSpPr>
-          <p:cNvPr id="6" name="灯片编号占位符 5">
-            <a:extLst>
-              <a:ext uri="{FF2B5EF4-FFF2-40B4-BE49-F238E27FC236}">
-                <a16:creationId xmlns:a16="http://schemas.microsoft.com/office/drawing/2014/main" id="{1A7A457D-69DB-4E21-AE85-27634C44BB6B}"/>
-              </a:ext>
-            </a:extLst>
-          </p:cNvPr>
+          <p:cNvPr id="6" name="Slide Number Placeholder 5"/>
           <p:cNvSpPr>
             <a:spLocks noGrp="1"/>
           </p:cNvSpPr>
@@ -1202,10 +1308,23 @@
             <p:ph type="sldNum" sz="quarter" idx="12"/>
           </p:nvPr>
         </p:nvSpPr>
-        <p:spPr/>
-        <p:txBody>
-          <a:bodyPr/>
-          <a:lstStyle/>
+        <p:spPr>
+          <a:xfrm>
+            <a:off x="9830683" y="6453386"/>
+            <a:ext cx="1596292" cy="404614"/>
+          </a:xfrm>
+        </p:spPr>
+        <p:txBody>
+          <a:bodyPr/>
+          <a:lstStyle>
+            <a:lvl1pPr>
+              <a:defRPr>
+                <a:solidFill>
+                  <a:schemeClr val="tx2"/>
+                </a:solidFill>
+              </a:defRPr>
+            </a:lvl1pPr>
+          </a:lstStyle>
           <a:p>
             <a:fld id="{2D614098-5708-4EF4-8936-F6998C02DBAF}" type="slidenum">
               <a:rPr lang="zh-CN" altLang="en-US" smtClean="0"/>
@@ -1215,15 +1334,71 @@
           </a:p>
         </p:txBody>
       </p:sp>
+      <p:sp>
+        <p:nvSpPr>
+          <p:cNvPr id="7" name="Freeform 6" title="Crop Mark"/>
+          <p:cNvSpPr/>
+          <p:nvPr/>
+        </p:nvSpPr>
+        <p:spPr bwMode="auto">
+          <a:xfrm>
+            <a:off x="8151962" y="1685652"/>
+            <a:ext cx="3275013" cy="4408488"/>
+          </a:xfrm>
+          <a:custGeom>
+            <a:avLst/>
+            <a:gdLst/>
+            <a:ahLst/>
+            <a:cxnLst/>
+            <a:rect l="0" t="0" r="r" b="b"/>
+            <a:pathLst>
+              <a:path w="4125" h="5554">
+                <a:moveTo>
+                  <a:pt x="3614" y="0"/>
+                </a:moveTo>
+                <a:lnTo>
+                  <a:pt x="4125" y="0"/>
+                </a:lnTo>
+                <a:lnTo>
+                  <a:pt x="4125" y="5554"/>
+                </a:lnTo>
+                <a:lnTo>
+                  <a:pt x="0" y="5554"/>
+                </a:lnTo>
+                <a:lnTo>
+                  <a:pt x="0" y="5074"/>
+                </a:lnTo>
+                <a:lnTo>
+                  <a:pt x="3614" y="5074"/>
+                </a:lnTo>
+                <a:lnTo>
+                  <a:pt x="3614" y="0"/>
+                </a:lnTo>
+                <a:close/>
+              </a:path>
+            </a:pathLst>
+          </a:custGeom>
+          <a:solidFill>
+            <a:schemeClr val="tx2"/>
+          </a:solidFill>
+          <a:ln w="0">
+            <a:noFill/>
+            <a:prstDash val="solid"/>
+            <a:round/>
+            <a:headEnd/>
+            <a:tailEnd/>
+          </a:ln>
+        </p:spPr>
+      </p:sp>
     </p:spTree>
     <p:extLst>
       <p:ext uri="{BB962C8B-B14F-4D97-AF65-F5344CB8AC3E}">
-        <p14:creationId xmlns:p14="http://schemas.microsoft.com/office/powerpoint/2010/main" val="4090538267"/>
+        <p14:creationId xmlns:p14="http://schemas.microsoft.com/office/powerpoint/2010/main" val="1517553704"/>
       </p:ext>
     </p:extLst>
   </p:cSld>
   <p:clrMapOvr>
-    <a:masterClrMapping/>
+    <a:overrideClrMapping bg1="dk1" tx1="lt1" bg2="dk2" tx2="lt2" accent1="accent1" accent2="accent2" accent3="accent3" accent4="accent4" accent5="accent5" accent6="accent6" hlink="hlink" folHlink="folHlink"/>
   </p:clrMapOvr>
 </p:sldLayout>
 </file>
@@ -1247,13 +1422,7 @@
       </p:grpSpPr>
       <p:sp>
         <p:nvSpPr>
-          <p:cNvPr id="2" name="标题 1">
-            <a:extLst>
-              <a:ext uri="{FF2B5EF4-FFF2-40B4-BE49-F238E27FC236}">
-                <a16:creationId xmlns:a16="http://schemas.microsoft.com/office/drawing/2014/main" id="{B99BD9D3-86F6-4CE0-812B-8744D108BB3E}"/>
-              </a:ext>
-            </a:extLst>
-          </p:cNvPr>
+          <p:cNvPr id="2" name="Title 1"/>
           <p:cNvSpPr>
             <a:spLocks noGrp="1"/>
           </p:cNvSpPr>
@@ -1264,24 +1433,27 @@
         <p:spPr/>
         <p:txBody>
           <a:bodyPr/>
-          <a:lstStyle/>
+          <a:lstStyle>
+            <a:lvl1pPr>
+              <a:defRPr>
+                <a:solidFill>
+                  <a:schemeClr val="tx2"/>
+                </a:solidFill>
+              </a:defRPr>
+            </a:lvl1pPr>
+          </a:lstStyle>
           <a:p>
             <a:r>
               <a:rPr lang="zh-CN" altLang="en-US"/>
               <a:t>单击此处编辑母版标题样式</a:t>
             </a:r>
-          </a:p>
-        </p:txBody>
-      </p:sp>
-      <p:sp>
-        <p:nvSpPr>
-          <p:cNvPr id="3" name="内容占位符 2">
-            <a:extLst>
-              <a:ext uri="{FF2B5EF4-FFF2-40B4-BE49-F238E27FC236}">
-                <a16:creationId xmlns:a16="http://schemas.microsoft.com/office/drawing/2014/main" id="{17A290F4-985B-415B-AB73-3BE455047FC8}"/>
-              </a:ext>
-            </a:extLst>
-          </p:cNvPr>
+            <a:endParaRPr lang="en-US" dirty="0"/>
+          </a:p>
+        </p:txBody>
+      </p:sp>
+      <p:sp>
+        <p:nvSpPr>
+          <p:cNvPr id="3" name="Content Placeholder 2"/>
           <p:cNvSpPr>
             <a:spLocks noGrp="1"/>
           </p:cNvSpPr>
@@ -1291,13 +1463,49 @@
         </p:nvSpPr>
         <p:spPr>
           <a:xfrm>
-            <a:off x="838200" y="1825625"/>
-            <a:ext cx="5181600" cy="4351338"/>
-          </a:xfrm>
-        </p:spPr>
-        <p:txBody>
-          <a:bodyPr/>
-          <a:lstStyle/>
+            <a:off x="1371600" y="2285999"/>
+            <a:ext cx="4447786" cy="3581401"/>
+          </a:xfrm>
+        </p:spPr>
+        <p:txBody>
+          <a:bodyPr/>
+          <a:lstStyle>
+            <a:lvl1pPr>
+              <a:defRPr baseline="0">
+                <a:solidFill>
+                  <a:schemeClr val="tx2"/>
+                </a:solidFill>
+              </a:defRPr>
+            </a:lvl1pPr>
+            <a:lvl2pPr>
+              <a:defRPr baseline="0">
+                <a:solidFill>
+                  <a:schemeClr val="tx2"/>
+                </a:solidFill>
+              </a:defRPr>
+            </a:lvl2pPr>
+            <a:lvl3pPr>
+              <a:defRPr baseline="0">
+                <a:solidFill>
+                  <a:schemeClr val="tx2"/>
+                </a:solidFill>
+              </a:defRPr>
+            </a:lvl3pPr>
+            <a:lvl4pPr>
+              <a:defRPr baseline="0">
+                <a:solidFill>
+                  <a:schemeClr val="tx2"/>
+                </a:solidFill>
+              </a:defRPr>
+            </a:lvl4pPr>
+            <a:lvl5pPr>
+              <a:defRPr baseline="0">
+                <a:solidFill>
+                  <a:schemeClr val="tx2"/>
+                </a:solidFill>
+              </a:defRPr>
+            </a:lvl5pPr>
+          </a:lstStyle>
           <a:p>
             <a:pPr lvl="0"/>
             <a:r>
@@ -1332,18 +1540,13 @@
               <a:rPr lang="zh-CN" altLang="en-US"/>
               <a:t>五级</a:t>
             </a:r>
-          </a:p>
-        </p:txBody>
-      </p:sp>
-      <p:sp>
-        <p:nvSpPr>
-          <p:cNvPr id="4" name="内容占位符 3">
-            <a:extLst>
-              <a:ext uri="{FF2B5EF4-FFF2-40B4-BE49-F238E27FC236}">
-                <a16:creationId xmlns:a16="http://schemas.microsoft.com/office/drawing/2014/main" id="{5BFBA947-1470-40FA-9AAE-2D60EBB7D18B}"/>
-              </a:ext>
-            </a:extLst>
-          </p:cNvPr>
+            <a:endParaRPr lang="en-US" dirty="0"/>
+          </a:p>
+        </p:txBody>
+      </p:sp>
+      <p:sp>
+        <p:nvSpPr>
+          <p:cNvPr id="4" name="Content Placeholder 3"/>
           <p:cNvSpPr>
             <a:spLocks noGrp="1"/>
           </p:cNvSpPr>
@@ -1353,13 +1556,49 @@
         </p:nvSpPr>
         <p:spPr>
           <a:xfrm>
-            <a:off x="6172200" y="1825625"/>
-            <a:ext cx="5181600" cy="4351338"/>
-          </a:xfrm>
-        </p:spPr>
-        <p:txBody>
-          <a:bodyPr/>
-          <a:lstStyle/>
+            <a:off x="6525403" y="2285999"/>
+            <a:ext cx="4447786" cy="3581401"/>
+          </a:xfrm>
+        </p:spPr>
+        <p:txBody>
+          <a:bodyPr/>
+          <a:lstStyle>
+            <a:lvl1pPr>
+              <a:defRPr>
+                <a:solidFill>
+                  <a:schemeClr val="tx2"/>
+                </a:solidFill>
+              </a:defRPr>
+            </a:lvl1pPr>
+            <a:lvl2pPr>
+              <a:defRPr>
+                <a:solidFill>
+                  <a:schemeClr val="tx2"/>
+                </a:solidFill>
+              </a:defRPr>
+            </a:lvl2pPr>
+            <a:lvl3pPr>
+              <a:defRPr>
+                <a:solidFill>
+                  <a:schemeClr val="tx2"/>
+                </a:solidFill>
+              </a:defRPr>
+            </a:lvl3pPr>
+            <a:lvl4pPr>
+              <a:defRPr>
+                <a:solidFill>
+                  <a:schemeClr val="tx2"/>
+                </a:solidFill>
+              </a:defRPr>
+            </a:lvl4pPr>
+            <a:lvl5pPr>
+              <a:defRPr>
+                <a:solidFill>
+                  <a:schemeClr val="tx2"/>
+                </a:solidFill>
+              </a:defRPr>
+            </a:lvl5pPr>
+          </a:lstStyle>
           <a:p>
             <a:pPr lvl="0"/>
             <a:r>
@@ -1394,18 +1633,13 @@
               <a:rPr lang="zh-CN" altLang="en-US"/>
               <a:t>五级</a:t>
             </a:r>
-          </a:p>
-        </p:txBody>
-      </p:sp>
-      <p:sp>
-        <p:nvSpPr>
-          <p:cNvPr id="5" name="日期占位符 4">
-            <a:extLst>
-              <a:ext uri="{FF2B5EF4-FFF2-40B4-BE49-F238E27FC236}">
-                <a16:creationId xmlns:a16="http://schemas.microsoft.com/office/drawing/2014/main" id="{D417F9B1-65F5-4424-BC35-BA19DD671CC4}"/>
-              </a:ext>
-            </a:extLst>
-          </p:cNvPr>
+            <a:endParaRPr lang="en-US" dirty="0"/>
+          </a:p>
+        </p:txBody>
+      </p:sp>
+      <p:sp>
+        <p:nvSpPr>
+          <p:cNvPr id="5" name="Date Placeholder 4"/>
           <p:cNvSpPr>
             <a:spLocks noGrp="1"/>
           </p:cNvSpPr>
@@ -1420,7 +1654,7 @@
           <a:p>
             <a:fld id="{128A4F67-7F60-41BA-AE93-9E52CE5232A9}" type="datetimeFigureOut">
               <a:rPr lang="zh-CN" altLang="en-US" smtClean="0"/>
-              <a:t>2021/6/3</a:t>
+              <a:t>2021/6/5</a:t>
             </a:fld>
             <a:endParaRPr lang="zh-CN" altLang="en-US"/>
           </a:p>
@@ -1428,13 +1662,7 @@
       </p:sp>
       <p:sp>
         <p:nvSpPr>
-          <p:cNvPr id="6" name="页脚占位符 5">
-            <a:extLst>
-              <a:ext uri="{FF2B5EF4-FFF2-40B4-BE49-F238E27FC236}">
-                <a16:creationId xmlns:a16="http://schemas.microsoft.com/office/drawing/2014/main" id="{943381C9-2407-49CB-B0ED-7B2CC65D41ED}"/>
-              </a:ext>
-            </a:extLst>
-          </p:cNvPr>
+          <p:cNvPr id="6" name="Footer Placeholder 5"/>
           <p:cNvSpPr>
             <a:spLocks noGrp="1"/>
           </p:cNvSpPr>
@@ -1453,13 +1681,7 @@
       </p:sp>
       <p:sp>
         <p:nvSpPr>
-          <p:cNvPr id="7" name="灯片编号占位符 6">
-            <a:extLst>
-              <a:ext uri="{FF2B5EF4-FFF2-40B4-BE49-F238E27FC236}">
-                <a16:creationId xmlns:a16="http://schemas.microsoft.com/office/drawing/2014/main" id="{06A2D76B-CAF9-4FB4-B134-A33FC21B7268}"/>
-              </a:ext>
-            </a:extLst>
-          </p:cNvPr>
+          <p:cNvPr id="7" name="Slide Number Placeholder 6"/>
           <p:cNvSpPr>
             <a:spLocks noGrp="1"/>
           </p:cNvSpPr>
@@ -1483,7 +1705,7 @@
     </p:spTree>
     <p:extLst>
       <p:ext uri="{BB962C8B-B14F-4D97-AF65-F5344CB8AC3E}">
-        <p14:creationId xmlns:p14="http://schemas.microsoft.com/office/powerpoint/2010/main" val="1912519557"/>
+        <p14:creationId xmlns:p14="http://schemas.microsoft.com/office/powerpoint/2010/main" val="3532704849"/>
       </p:ext>
     </p:extLst>
   </p:cSld>
@@ -1512,13 +1734,7 @@
       </p:grpSpPr>
       <p:sp>
         <p:nvSpPr>
-          <p:cNvPr id="2" name="标题 1">
-            <a:extLst>
-              <a:ext uri="{FF2B5EF4-FFF2-40B4-BE49-F238E27FC236}">
-                <a16:creationId xmlns:a16="http://schemas.microsoft.com/office/drawing/2014/main" id="{790880B7-DFEC-4B3C-8042-C29CE0F03438}"/>
-              </a:ext>
-            </a:extLst>
-          </p:cNvPr>
+          <p:cNvPr id="2" name="Title 1"/>
           <p:cNvSpPr>
             <a:spLocks noGrp="1"/>
           </p:cNvSpPr>
@@ -1528,30 +1744,33 @@
         </p:nvSpPr>
         <p:spPr>
           <a:xfrm>
-            <a:off x="839788" y="365125"/>
-            <a:ext cx="10515600" cy="1325563"/>
-          </a:xfrm>
-        </p:spPr>
-        <p:txBody>
-          <a:bodyPr/>
-          <a:lstStyle/>
+            <a:off x="1371600" y="685800"/>
+            <a:ext cx="9601200" cy="1485900"/>
+          </a:xfrm>
+        </p:spPr>
+        <p:txBody>
+          <a:bodyPr/>
+          <a:lstStyle>
+            <a:lvl1pPr>
+              <a:defRPr>
+                <a:solidFill>
+                  <a:schemeClr val="tx2"/>
+                </a:solidFill>
+              </a:defRPr>
+            </a:lvl1pPr>
+          </a:lstStyle>
           <a:p>
             <a:r>
               <a:rPr lang="zh-CN" altLang="en-US"/>
               <a:t>单击此处编辑母版标题样式</a:t>
             </a:r>
-          </a:p>
-        </p:txBody>
-      </p:sp>
-      <p:sp>
-        <p:nvSpPr>
-          <p:cNvPr id="3" name="文本占位符 2">
-            <a:extLst>
-              <a:ext uri="{FF2B5EF4-FFF2-40B4-BE49-F238E27FC236}">
-                <a16:creationId xmlns:a16="http://schemas.microsoft.com/office/drawing/2014/main" id="{58BF7B05-20A3-43F0-96A1-49DEEF4D30F0}"/>
-              </a:ext>
-            </a:extLst>
-          </p:cNvPr>
+            <a:endParaRPr lang="en-US" dirty="0"/>
+          </a:p>
+        </p:txBody>
+      </p:sp>
+      <p:sp>
+        <p:nvSpPr>
+          <p:cNvPr id="3" name="Text Placeholder 2"/>
           <p:cNvSpPr>
             <a:spLocks noGrp="1"/>
           </p:cNvSpPr>
@@ -1561,16 +1780,31 @@
         </p:nvSpPr>
         <p:spPr>
           <a:xfrm>
-            <a:off x="839788" y="1681163"/>
-            <a:ext cx="5157787" cy="823912"/>
-          </a:xfrm>
-        </p:spPr>
-        <p:txBody>
-          <a:bodyPr anchor="b"/>
+            <a:off x="1371600" y="2340864"/>
+            <a:ext cx="4443984" cy="823912"/>
+          </a:xfrm>
+        </p:spPr>
+        <p:txBody>
+          <a:bodyPr anchor="b">
+            <a:noAutofit/>
+          </a:bodyPr>
           <a:lstStyle>
             <a:lvl1pPr marL="0" indent="0">
+              <a:lnSpc>
+                <a:spcPct val="84000"/>
+              </a:lnSpc>
+              <a:spcBef>
+                <a:spcPts val="0"/>
+              </a:spcBef>
+              <a:spcAft>
+                <a:spcPts val="0"/>
+              </a:spcAft>
               <a:buNone/>
-              <a:defRPr sz="2400" b="1"/>
+              <a:defRPr sz="3000" b="0" baseline="0">
+                <a:solidFill>
+                  <a:schemeClr val="tx2"/>
+                </a:solidFill>
+              </a:defRPr>
             </a:lvl1pPr>
             <a:lvl2pPr marL="457200" indent="0">
               <a:buNone/>
@@ -1616,13 +1850,7 @@
       </p:sp>
       <p:sp>
         <p:nvSpPr>
-          <p:cNvPr id="4" name="内容占位符 3">
-            <a:extLst>
-              <a:ext uri="{FF2B5EF4-FFF2-40B4-BE49-F238E27FC236}">
-                <a16:creationId xmlns:a16="http://schemas.microsoft.com/office/drawing/2014/main" id="{CA15367B-9857-4AD0-8222-17C38FCBA46E}"/>
-              </a:ext>
-            </a:extLst>
-          </p:cNvPr>
+          <p:cNvPr id="4" name="Content Placeholder 3"/>
           <p:cNvSpPr>
             <a:spLocks noGrp="1"/>
           </p:cNvSpPr>
@@ -1632,13 +1860,49 @@
         </p:nvSpPr>
         <p:spPr>
           <a:xfrm>
-            <a:off x="839788" y="2505075"/>
-            <a:ext cx="5157787" cy="3684588"/>
-          </a:xfrm>
-        </p:spPr>
-        <p:txBody>
-          <a:bodyPr/>
-          <a:lstStyle/>
+            <a:off x="1371600" y="3305207"/>
+            <a:ext cx="4443984" cy="2562193"/>
+          </a:xfrm>
+        </p:spPr>
+        <p:txBody>
+          <a:bodyPr/>
+          <a:lstStyle>
+            <a:lvl1pPr>
+              <a:defRPr baseline="0">
+                <a:solidFill>
+                  <a:schemeClr val="tx2"/>
+                </a:solidFill>
+              </a:defRPr>
+            </a:lvl1pPr>
+            <a:lvl2pPr>
+              <a:defRPr baseline="0">
+                <a:solidFill>
+                  <a:schemeClr val="tx2"/>
+                </a:solidFill>
+              </a:defRPr>
+            </a:lvl2pPr>
+            <a:lvl3pPr>
+              <a:defRPr baseline="0">
+                <a:solidFill>
+                  <a:schemeClr val="tx2"/>
+                </a:solidFill>
+              </a:defRPr>
+            </a:lvl3pPr>
+            <a:lvl4pPr>
+              <a:defRPr baseline="0">
+                <a:solidFill>
+                  <a:schemeClr val="tx2"/>
+                </a:solidFill>
+              </a:defRPr>
+            </a:lvl4pPr>
+            <a:lvl5pPr>
+              <a:defRPr baseline="0">
+                <a:solidFill>
+                  <a:schemeClr val="tx2"/>
+                </a:solidFill>
+              </a:defRPr>
+            </a:lvl5pPr>
+          </a:lstStyle>
           <a:p>
             <a:pPr lvl="0"/>
             <a:r>
@@ -1673,18 +1937,13 @@
               <a:rPr lang="zh-CN" altLang="en-US"/>
               <a:t>五级</a:t>
             </a:r>
-          </a:p>
-        </p:txBody>
-      </p:sp>
-      <p:sp>
-        <p:nvSpPr>
-          <p:cNvPr id="5" name="文本占位符 4">
-            <a:extLst>
-              <a:ext uri="{FF2B5EF4-FFF2-40B4-BE49-F238E27FC236}">
-                <a16:creationId xmlns:a16="http://schemas.microsoft.com/office/drawing/2014/main" id="{CF3506D7-89B3-46CE-9F6B-ABB49C8D9243}"/>
-              </a:ext>
-            </a:extLst>
-          </p:cNvPr>
+            <a:endParaRPr lang="en-US" dirty="0"/>
+          </a:p>
+        </p:txBody>
+      </p:sp>
+      <p:sp>
+        <p:nvSpPr>
+          <p:cNvPr id="5" name="Text Placeholder 4"/>
           <p:cNvSpPr>
             <a:spLocks noGrp="1"/>
           </p:cNvSpPr>
@@ -1694,16 +1953,31 @@
         </p:nvSpPr>
         <p:spPr>
           <a:xfrm>
-            <a:off x="6172200" y="1681163"/>
-            <a:ext cx="5183188" cy="823912"/>
-          </a:xfrm>
-        </p:spPr>
-        <p:txBody>
-          <a:bodyPr anchor="b"/>
+            <a:off x="6525014" y="2340864"/>
+            <a:ext cx="4443984" cy="823912"/>
+          </a:xfrm>
+        </p:spPr>
+        <p:txBody>
+          <a:bodyPr anchor="b">
+            <a:noAutofit/>
+          </a:bodyPr>
           <a:lstStyle>
             <a:lvl1pPr marL="0" indent="0">
+              <a:lnSpc>
+                <a:spcPct val="84000"/>
+              </a:lnSpc>
+              <a:spcBef>
+                <a:spcPts val="0"/>
+              </a:spcBef>
+              <a:spcAft>
+                <a:spcPts val="0"/>
+              </a:spcAft>
               <a:buNone/>
-              <a:defRPr sz="2400" b="1"/>
+              <a:defRPr sz="3000" b="0" baseline="0">
+                <a:solidFill>
+                  <a:schemeClr val="tx2"/>
+                </a:solidFill>
+              </a:defRPr>
             </a:lvl1pPr>
             <a:lvl2pPr marL="457200" indent="0">
               <a:buNone/>
@@ -1749,13 +2023,7 @@
       </p:sp>
       <p:sp>
         <p:nvSpPr>
-          <p:cNvPr id="6" name="内容占位符 5">
-            <a:extLst>
-              <a:ext uri="{FF2B5EF4-FFF2-40B4-BE49-F238E27FC236}">
-                <a16:creationId xmlns:a16="http://schemas.microsoft.com/office/drawing/2014/main" id="{1DFBAC35-D845-4DDA-98BE-934C2D2A3501}"/>
-              </a:ext>
-            </a:extLst>
-          </p:cNvPr>
+          <p:cNvPr id="6" name="Content Placeholder 5"/>
           <p:cNvSpPr>
             <a:spLocks noGrp="1"/>
           </p:cNvSpPr>
@@ -1765,13 +2033,49 @@
         </p:nvSpPr>
         <p:spPr>
           <a:xfrm>
-            <a:off x="6172200" y="2505075"/>
-            <a:ext cx="5183188" cy="3684588"/>
-          </a:xfrm>
-        </p:spPr>
-        <p:txBody>
-          <a:bodyPr/>
-          <a:lstStyle/>
+            <a:off x="6525014" y="3305207"/>
+            <a:ext cx="4443984" cy="2562193"/>
+          </a:xfrm>
+        </p:spPr>
+        <p:txBody>
+          <a:bodyPr/>
+          <a:lstStyle>
+            <a:lvl1pPr>
+              <a:defRPr baseline="0">
+                <a:solidFill>
+                  <a:schemeClr val="tx2"/>
+                </a:solidFill>
+              </a:defRPr>
+            </a:lvl1pPr>
+            <a:lvl2pPr>
+              <a:defRPr baseline="0">
+                <a:solidFill>
+                  <a:schemeClr val="tx2"/>
+                </a:solidFill>
+              </a:defRPr>
+            </a:lvl2pPr>
+            <a:lvl3pPr>
+              <a:defRPr baseline="0">
+                <a:solidFill>
+                  <a:schemeClr val="tx2"/>
+                </a:solidFill>
+              </a:defRPr>
+            </a:lvl3pPr>
+            <a:lvl4pPr>
+              <a:defRPr baseline="0">
+                <a:solidFill>
+                  <a:schemeClr val="tx2"/>
+                </a:solidFill>
+              </a:defRPr>
+            </a:lvl4pPr>
+            <a:lvl5pPr>
+              <a:defRPr baseline="0">
+                <a:solidFill>
+                  <a:schemeClr val="tx2"/>
+                </a:solidFill>
+              </a:defRPr>
+            </a:lvl5pPr>
+          </a:lstStyle>
           <a:p>
             <a:pPr lvl="0"/>
             <a:r>
@@ -1806,18 +2110,13 @@
               <a:rPr lang="zh-CN" altLang="en-US"/>
               <a:t>五级</a:t>
             </a:r>
-          </a:p>
-        </p:txBody>
-      </p:sp>
-      <p:sp>
-        <p:nvSpPr>
-          <p:cNvPr id="7" name="日期占位符 6">
-            <a:extLst>
-              <a:ext uri="{FF2B5EF4-FFF2-40B4-BE49-F238E27FC236}">
-                <a16:creationId xmlns:a16="http://schemas.microsoft.com/office/drawing/2014/main" id="{CFE0C26E-C51D-4739-9D88-0EC4C4655F6B}"/>
-              </a:ext>
-            </a:extLst>
-          </p:cNvPr>
+            <a:endParaRPr lang="en-US" dirty="0"/>
+          </a:p>
+        </p:txBody>
+      </p:sp>
+      <p:sp>
+        <p:nvSpPr>
+          <p:cNvPr id="7" name="Date Placeholder 6"/>
           <p:cNvSpPr>
             <a:spLocks noGrp="1"/>
           </p:cNvSpPr>
@@ -1832,7 +2131,7 @@
           <a:p>
             <a:fld id="{128A4F67-7F60-41BA-AE93-9E52CE5232A9}" type="datetimeFigureOut">
               <a:rPr lang="zh-CN" altLang="en-US" smtClean="0"/>
-              <a:t>2021/6/3</a:t>
+              <a:t>2021/6/5</a:t>
             </a:fld>
             <a:endParaRPr lang="zh-CN" altLang="en-US"/>
           </a:p>
@@ -1840,13 +2139,7 @@
       </p:sp>
       <p:sp>
         <p:nvSpPr>
-          <p:cNvPr id="8" name="页脚占位符 7">
-            <a:extLst>
-              <a:ext uri="{FF2B5EF4-FFF2-40B4-BE49-F238E27FC236}">
-                <a16:creationId xmlns:a16="http://schemas.microsoft.com/office/drawing/2014/main" id="{42A61A42-EC7A-4D90-99B8-455DA8D30E15}"/>
-              </a:ext>
-            </a:extLst>
-          </p:cNvPr>
+          <p:cNvPr id="8" name="Footer Placeholder 7"/>
           <p:cNvSpPr>
             <a:spLocks noGrp="1"/>
           </p:cNvSpPr>
@@ -1865,13 +2158,7 @@
       </p:sp>
       <p:sp>
         <p:nvSpPr>
-          <p:cNvPr id="9" name="灯片编号占位符 8">
-            <a:extLst>
-              <a:ext uri="{FF2B5EF4-FFF2-40B4-BE49-F238E27FC236}">
-                <a16:creationId xmlns:a16="http://schemas.microsoft.com/office/drawing/2014/main" id="{95BE68F6-87DB-4709-AEE1-B20D84497A45}"/>
-              </a:ext>
-            </a:extLst>
-          </p:cNvPr>
+          <p:cNvPr id="9" name="Slide Number Placeholder 8"/>
           <p:cNvSpPr>
             <a:spLocks noGrp="1"/>
           </p:cNvSpPr>
@@ -1895,7 +2182,7 @@
     </p:spTree>
     <p:extLst>
       <p:ext uri="{BB962C8B-B14F-4D97-AF65-F5344CB8AC3E}">
-        <p14:creationId xmlns:p14="http://schemas.microsoft.com/office/powerpoint/2010/main" val="179890537"/>
+        <p14:creationId xmlns:p14="http://schemas.microsoft.com/office/powerpoint/2010/main" val="2724382823"/>
       </p:ext>
     </p:extLst>
   </p:cSld>
@@ -1924,13 +2211,7 @@
       </p:grpSpPr>
       <p:sp>
         <p:nvSpPr>
-          <p:cNvPr id="2" name="标题 1">
-            <a:extLst>
-              <a:ext uri="{FF2B5EF4-FFF2-40B4-BE49-F238E27FC236}">
-                <a16:creationId xmlns:a16="http://schemas.microsoft.com/office/drawing/2014/main" id="{9BCF1717-5232-4157-9D1E-F7891E0E45EE}"/>
-              </a:ext>
-            </a:extLst>
-          </p:cNvPr>
+          <p:cNvPr id="2" name="Title 1"/>
           <p:cNvSpPr>
             <a:spLocks noGrp="1"/>
           </p:cNvSpPr>
@@ -1947,18 +2228,13 @@
               <a:rPr lang="zh-CN" altLang="en-US"/>
               <a:t>单击此处编辑母版标题样式</a:t>
             </a:r>
-          </a:p>
-        </p:txBody>
-      </p:sp>
-      <p:sp>
-        <p:nvSpPr>
-          <p:cNvPr id="3" name="日期占位符 2">
-            <a:extLst>
-              <a:ext uri="{FF2B5EF4-FFF2-40B4-BE49-F238E27FC236}">
-                <a16:creationId xmlns:a16="http://schemas.microsoft.com/office/drawing/2014/main" id="{B06D4AA3-B9D5-4B2D-9224-2AD204E7F54B}"/>
-              </a:ext>
-            </a:extLst>
-          </p:cNvPr>
+            <a:endParaRPr lang="en-US" dirty="0"/>
+          </a:p>
+        </p:txBody>
+      </p:sp>
+      <p:sp>
+        <p:nvSpPr>
+          <p:cNvPr id="3" name="Date Placeholder 2"/>
           <p:cNvSpPr>
             <a:spLocks noGrp="1"/>
           </p:cNvSpPr>
@@ -1973,7 +2249,7 @@
           <a:p>
             <a:fld id="{128A4F67-7F60-41BA-AE93-9E52CE5232A9}" type="datetimeFigureOut">
               <a:rPr lang="zh-CN" altLang="en-US" smtClean="0"/>
-              <a:t>2021/6/3</a:t>
+              <a:t>2021/6/5</a:t>
             </a:fld>
             <a:endParaRPr lang="zh-CN" altLang="en-US"/>
           </a:p>
@@ -1981,13 +2257,7 @@
       </p:sp>
       <p:sp>
         <p:nvSpPr>
-          <p:cNvPr id="4" name="页脚占位符 3">
-            <a:extLst>
-              <a:ext uri="{FF2B5EF4-FFF2-40B4-BE49-F238E27FC236}">
-                <a16:creationId xmlns:a16="http://schemas.microsoft.com/office/drawing/2014/main" id="{BDED4F79-60C1-47A2-A742-EE058D576953}"/>
-              </a:ext>
-            </a:extLst>
-          </p:cNvPr>
+          <p:cNvPr id="4" name="Footer Placeholder 3"/>
           <p:cNvSpPr>
             <a:spLocks noGrp="1"/>
           </p:cNvSpPr>
@@ -2006,13 +2276,7 @@
       </p:sp>
       <p:sp>
         <p:nvSpPr>
-          <p:cNvPr id="5" name="灯片编号占位符 4">
-            <a:extLst>
-              <a:ext uri="{FF2B5EF4-FFF2-40B4-BE49-F238E27FC236}">
-                <a16:creationId xmlns:a16="http://schemas.microsoft.com/office/drawing/2014/main" id="{89B64B53-BC98-400B-87B6-7E83E32128C1}"/>
-              </a:ext>
-            </a:extLst>
-          </p:cNvPr>
+          <p:cNvPr id="5" name="Slide Number Placeholder 4"/>
           <p:cNvSpPr>
             <a:spLocks noGrp="1"/>
           </p:cNvSpPr>
@@ -2036,7 +2300,7 @@
     </p:spTree>
     <p:extLst>
       <p:ext uri="{BB962C8B-B14F-4D97-AF65-F5344CB8AC3E}">
-        <p14:creationId xmlns:p14="http://schemas.microsoft.com/office/powerpoint/2010/main" val="2573152104"/>
+        <p14:creationId xmlns:p14="http://schemas.microsoft.com/office/powerpoint/2010/main" val="494856267"/>
       </p:ext>
     </p:extLst>
   </p:cSld>
@@ -2065,13 +2329,7 @@
       </p:grpSpPr>
       <p:sp>
         <p:nvSpPr>
-          <p:cNvPr id="2" name="日期占位符 1">
-            <a:extLst>
-              <a:ext uri="{FF2B5EF4-FFF2-40B4-BE49-F238E27FC236}">
-                <a16:creationId xmlns:a16="http://schemas.microsoft.com/office/drawing/2014/main" id="{A510549A-2CDE-4717-94BE-1682089816F3}"/>
-              </a:ext>
-            </a:extLst>
-          </p:cNvPr>
+          <p:cNvPr id="2" name="Date Placeholder 1"/>
           <p:cNvSpPr>
             <a:spLocks noGrp="1"/>
           </p:cNvSpPr>
@@ -2086,7 +2344,7 @@
           <a:p>
             <a:fld id="{128A4F67-7F60-41BA-AE93-9E52CE5232A9}" type="datetimeFigureOut">
               <a:rPr lang="zh-CN" altLang="en-US" smtClean="0"/>
-              <a:t>2021/6/3</a:t>
+              <a:t>2021/6/5</a:t>
             </a:fld>
             <a:endParaRPr lang="zh-CN" altLang="en-US"/>
           </a:p>
@@ -2094,13 +2352,7 @@
       </p:sp>
       <p:sp>
         <p:nvSpPr>
-          <p:cNvPr id="3" name="页脚占位符 2">
-            <a:extLst>
-              <a:ext uri="{FF2B5EF4-FFF2-40B4-BE49-F238E27FC236}">
-                <a16:creationId xmlns:a16="http://schemas.microsoft.com/office/drawing/2014/main" id="{60F65736-5DA5-4220-B213-88408320628C}"/>
-              </a:ext>
-            </a:extLst>
-          </p:cNvPr>
+          <p:cNvPr id="3" name="Footer Placeholder 2"/>
           <p:cNvSpPr>
             <a:spLocks noGrp="1"/>
           </p:cNvSpPr>
@@ -2119,13 +2371,7 @@
       </p:sp>
       <p:sp>
         <p:nvSpPr>
-          <p:cNvPr id="4" name="灯片编号占位符 3">
-            <a:extLst>
-              <a:ext uri="{FF2B5EF4-FFF2-40B4-BE49-F238E27FC236}">
-                <a16:creationId xmlns:a16="http://schemas.microsoft.com/office/drawing/2014/main" id="{CBFB3F10-35BA-45CB-B6BE-7F8BC9BF8C60}"/>
-              </a:ext>
-            </a:extLst>
-          </p:cNvPr>
+          <p:cNvPr id="4" name="Slide Number Placeholder 3"/>
           <p:cNvSpPr>
             <a:spLocks noGrp="1"/>
           </p:cNvSpPr>
@@ -2149,7 +2395,7 @@
     </p:spTree>
     <p:extLst>
       <p:ext uri="{BB962C8B-B14F-4D97-AF65-F5344CB8AC3E}">
-        <p14:creationId xmlns:p14="http://schemas.microsoft.com/office/powerpoint/2010/main" val="1037922630"/>
+        <p14:creationId xmlns:p14="http://schemas.microsoft.com/office/powerpoint/2010/main" val="1186263758"/>
       </p:ext>
     </p:extLst>
   </p:cSld>
@@ -2160,7 +2406,7 @@
 </file>
 
 <file path=ppt/slideLayouts/slideLayout8.xml><?xml version="1.0" encoding="utf-8"?>
-<p:sldLayout xmlns:a="http://schemas.openxmlformats.org/drawingml/2006/main" xmlns:r="http://schemas.openxmlformats.org/officeDocument/2006/relationships" xmlns:p="http://schemas.openxmlformats.org/presentationml/2006/main" type="objTx" preserve="1">
+<p:sldLayout xmlns:a="http://schemas.openxmlformats.org/drawingml/2006/main" xmlns:r="http://schemas.openxmlformats.org/officeDocument/2006/relationships" xmlns:p="http://schemas.openxmlformats.org/presentationml/2006/main" showMasterSp="0" type="objTx" preserve="1">
   <p:cSld name="内容与标题">
     <p:spTree>
       <p:nvGrpSpPr>
@@ -2178,13 +2424,45 @@
       </p:grpSpPr>
       <p:sp>
         <p:nvSpPr>
-          <p:cNvPr id="2" name="标题 1">
-            <a:extLst>
-              <a:ext uri="{FF2B5EF4-FFF2-40B4-BE49-F238E27FC236}">
-                <a16:creationId xmlns:a16="http://schemas.microsoft.com/office/drawing/2014/main" id="{9F8A365F-40AE-4E40-9F86-0EBFB897B939}"/>
-              </a:ext>
-            </a:extLst>
-          </p:cNvPr>
+          <p:cNvPr id="8" name="Rectangle 7" title="Background Shape"/>
+          <p:cNvSpPr/>
+          <p:nvPr/>
+        </p:nvSpPr>
+        <p:spPr>
+          <a:xfrm>
+            <a:off x="0" y="376"/>
+            <a:ext cx="5303520" cy="6857624"/>
+          </a:xfrm>
+          <a:prstGeom prst="rect">
+            <a:avLst/>
+          </a:prstGeom>
+          <a:solidFill>
+            <a:schemeClr val="accent1"/>
+          </a:solidFill>
+          <a:ln>
+            <a:noFill/>
+          </a:ln>
+        </p:spPr>
+        <p:style>
+          <a:lnRef idx="2">
+            <a:schemeClr val="accent1">
+              <a:shade val="50000"/>
+            </a:schemeClr>
+          </a:lnRef>
+          <a:fillRef idx="1">
+            <a:schemeClr val="accent1"/>
+          </a:fillRef>
+          <a:effectRef idx="0">
+            <a:schemeClr val="accent1"/>
+          </a:effectRef>
+          <a:fontRef idx="minor">
+            <a:schemeClr val="lt1"/>
+          </a:fontRef>
+        </p:style>
+      </p:sp>
+      <p:sp>
+        <p:nvSpPr>
+          <p:cNvPr id="2" name="Title 1"/>
           <p:cNvSpPr>
             <a:spLocks noGrp="1"/>
           </p:cNvSpPr>
@@ -2194,15 +2472,24 @@
         </p:nvSpPr>
         <p:spPr>
           <a:xfrm>
-            <a:off x="839788" y="457200"/>
-            <a:ext cx="3932237" cy="1600200"/>
-          </a:xfrm>
-        </p:spPr>
-        <p:txBody>
-          <a:bodyPr anchor="b"/>
+            <a:off x="723900" y="685800"/>
+            <a:ext cx="3855720" cy="2157884"/>
+          </a:xfrm>
+        </p:spPr>
+        <p:txBody>
+          <a:bodyPr anchor="t">
+            <a:noAutofit/>
+          </a:bodyPr>
           <a:lstStyle>
             <a:lvl1pPr>
-              <a:defRPr sz="3200"/>
+              <a:lnSpc>
+                <a:spcPct val="84000"/>
+              </a:lnSpc>
+              <a:defRPr sz="4800" baseline="0">
+                <a:solidFill>
+                  <a:schemeClr val="tx2"/>
+                </a:solidFill>
+              </a:defRPr>
             </a:lvl1pPr>
           </a:lstStyle>
           <a:p>
@@ -2210,18 +2497,13 @@
               <a:rPr lang="zh-CN" altLang="en-US"/>
               <a:t>单击此处编辑母版标题样式</a:t>
             </a:r>
-          </a:p>
-        </p:txBody>
-      </p:sp>
-      <p:sp>
-        <p:nvSpPr>
-          <p:cNvPr id="3" name="内容占位符 2">
-            <a:extLst>
-              <a:ext uri="{FF2B5EF4-FFF2-40B4-BE49-F238E27FC236}">
-                <a16:creationId xmlns:a16="http://schemas.microsoft.com/office/drawing/2014/main" id="{3399C48E-93BA-448A-A937-1A646C25977D}"/>
-              </a:ext>
-            </a:extLst>
-          </p:cNvPr>
+            <a:endParaRPr lang="en-US" dirty="0"/>
+          </a:p>
+        </p:txBody>
+      </p:sp>
+      <p:sp>
+        <p:nvSpPr>
+          <p:cNvPr id="3" name="Content Placeholder 2"/>
           <p:cNvSpPr>
             <a:spLocks noGrp="1"/>
           </p:cNvSpPr>
@@ -2231,39 +2513,39 @@
         </p:nvSpPr>
         <p:spPr>
           <a:xfrm>
-            <a:off x="5183188" y="987425"/>
-            <a:ext cx="6172200" cy="4873625"/>
+            <a:off x="6256020" y="685801"/>
+            <a:ext cx="5212080" cy="5175250"/>
           </a:xfrm>
         </p:spPr>
         <p:txBody>
           <a:bodyPr/>
           <a:lstStyle>
             <a:lvl1pPr>
-              <a:defRPr sz="3200"/>
+              <a:defRPr sz="2000"/>
             </a:lvl1pPr>
             <a:lvl2pPr>
-              <a:defRPr sz="2800"/>
+              <a:defRPr sz="2000"/>
             </a:lvl2pPr>
             <a:lvl3pPr>
-              <a:defRPr sz="2400"/>
+              <a:defRPr sz="1800"/>
             </a:lvl3pPr>
             <a:lvl4pPr>
-              <a:defRPr sz="2000"/>
+              <a:defRPr sz="1800"/>
             </a:lvl4pPr>
             <a:lvl5pPr>
-              <a:defRPr sz="2000"/>
+              <a:defRPr sz="1600"/>
             </a:lvl5pPr>
             <a:lvl6pPr>
-              <a:defRPr sz="2000"/>
+              <a:defRPr sz="1600"/>
             </a:lvl6pPr>
             <a:lvl7pPr>
-              <a:defRPr sz="2000"/>
+              <a:defRPr sz="1600"/>
             </a:lvl7pPr>
             <a:lvl8pPr>
-              <a:defRPr sz="2000"/>
+              <a:defRPr sz="1600"/>
             </a:lvl8pPr>
             <a:lvl9pPr>
-              <a:defRPr sz="2000"/>
+              <a:defRPr sz="1600"/>
             </a:lvl9pPr>
           </a:lstStyle>
           <a:p>
@@ -2300,18 +2582,13 @@
               <a:rPr lang="zh-CN" altLang="en-US"/>
               <a:t>五级</a:t>
             </a:r>
-          </a:p>
-        </p:txBody>
-      </p:sp>
-      <p:sp>
-        <p:nvSpPr>
-          <p:cNvPr id="4" name="文本占位符 3">
-            <a:extLst>
-              <a:ext uri="{FF2B5EF4-FFF2-40B4-BE49-F238E27FC236}">
-                <a16:creationId xmlns:a16="http://schemas.microsoft.com/office/drawing/2014/main" id="{18E5867E-4F3A-4270-B4D4-056A2A4F07EB}"/>
-              </a:ext>
-            </a:extLst>
-          </p:cNvPr>
+            <a:endParaRPr lang="en-US" dirty="0"/>
+          </a:p>
+        </p:txBody>
+      </p:sp>
+      <p:sp>
+        <p:nvSpPr>
+          <p:cNvPr id="4" name="Text Placeholder 3"/>
           <p:cNvSpPr>
             <a:spLocks noGrp="1"/>
           </p:cNvSpPr>
@@ -2321,14 +2598,23 @@
         </p:nvSpPr>
         <p:spPr>
           <a:xfrm>
-            <a:off x="839788" y="2057400"/>
-            <a:ext cx="3932237" cy="3811588"/>
+            <a:off x="723900" y="2856344"/>
+            <a:ext cx="3855720" cy="3011056"/>
           </a:xfrm>
         </p:spPr>
         <p:txBody>
           <a:bodyPr/>
           <a:lstStyle>
             <a:lvl1pPr marL="0" indent="0">
+              <a:lnSpc>
+                <a:spcPct val="113000"/>
+              </a:lnSpc>
+              <a:spcBef>
+                <a:spcPts val="0"/>
+              </a:spcBef>
+              <a:spcAft>
+                <a:spcPts val="1500"/>
+              </a:spcAft>
               <a:buNone/>
               <a:defRPr sz="1600"/>
             </a:lvl1pPr>
@@ -2376,13 +2662,7 @@
       </p:sp>
       <p:sp>
         <p:nvSpPr>
-          <p:cNvPr id="5" name="日期占位符 4">
-            <a:extLst>
-              <a:ext uri="{FF2B5EF4-FFF2-40B4-BE49-F238E27FC236}">
-                <a16:creationId xmlns:a16="http://schemas.microsoft.com/office/drawing/2014/main" id="{FDAB378D-59D9-43A3-BD8B-4ACBF2CD5B03}"/>
-              </a:ext>
-            </a:extLst>
-          </p:cNvPr>
+          <p:cNvPr id="5" name="Date Placeholder 4"/>
           <p:cNvSpPr>
             <a:spLocks noGrp="1"/>
           </p:cNvSpPr>
@@ -2390,14 +2670,27 @@
             <p:ph type="dt" sz="half" idx="10"/>
           </p:nvPr>
         </p:nvSpPr>
-        <p:spPr/>
-        <p:txBody>
-          <a:bodyPr/>
-          <a:lstStyle/>
+        <p:spPr>
+          <a:xfrm>
+            <a:off x="723900" y="6453386"/>
+            <a:ext cx="1204572" cy="404614"/>
+          </a:xfrm>
+        </p:spPr>
+        <p:txBody>
+          <a:bodyPr/>
+          <a:lstStyle>
+            <a:lvl1pPr>
+              <a:defRPr>
+                <a:solidFill>
+                  <a:schemeClr val="tx2"/>
+                </a:solidFill>
+              </a:defRPr>
+            </a:lvl1pPr>
+          </a:lstStyle>
           <a:p>
             <a:fld id="{128A4F67-7F60-41BA-AE93-9E52CE5232A9}" type="datetimeFigureOut">
               <a:rPr lang="zh-CN" altLang="en-US" smtClean="0"/>
-              <a:t>2021/6/3</a:t>
+              <a:t>2021/6/5</a:t>
             </a:fld>
             <a:endParaRPr lang="zh-CN" altLang="en-US"/>
           </a:p>
@@ -2405,13 +2698,7 @@
       </p:sp>
       <p:sp>
         <p:nvSpPr>
-          <p:cNvPr id="6" name="页脚占位符 5">
-            <a:extLst>
-              <a:ext uri="{FF2B5EF4-FFF2-40B4-BE49-F238E27FC236}">
-                <a16:creationId xmlns:a16="http://schemas.microsoft.com/office/drawing/2014/main" id="{05B55167-4EF0-41D7-AA25-4D9605C8EFB1}"/>
-              </a:ext>
-            </a:extLst>
-          </p:cNvPr>
+          <p:cNvPr id="6" name="Footer Placeholder 5"/>
           <p:cNvSpPr>
             <a:spLocks noGrp="1"/>
           </p:cNvSpPr>
@@ -2419,10 +2706,23 @@
             <p:ph type="ftr" sz="quarter" idx="11"/>
           </p:nvPr>
         </p:nvSpPr>
-        <p:spPr/>
-        <p:txBody>
-          <a:bodyPr/>
-          <a:lstStyle/>
+        <p:spPr>
+          <a:xfrm>
+            <a:off x="2205945" y="6453386"/>
+            <a:ext cx="2373675" cy="404614"/>
+          </a:xfrm>
+        </p:spPr>
+        <p:txBody>
+          <a:bodyPr/>
+          <a:lstStyle>
+            <a:lvl1pPr>
+              <a:defRPr>
+                <a:solidFill>
+                  <a:schemeClr val="tx2"/>
+                </a:solidFill>
+              </a:defRPr>
+            </a:lvl1pPr>
+          </a:lstStyle>
           <a:p>
             <a:endParaRPr lang="zh-CN" altLang="en-US"/>
           </a:p>
@@ -2430,13 +2730,7 @@
       </p:sp>
       <p:sp>
         <p:nvSpPr>
-          <p:cNvPr id="7" name="灯片编号占位符 6">
-            <a:extLst>
-              <a:ext uri="{FF2B5EF4-FFF2-40B4-BE49-F238E27FC236}">
-                <a16:creationId xmlns:a16="http://schemas.microsoft.com/office/drawing/2014/main" id="{195B2E88-A819-4271-A3A2-40754551B8AB}"/>
-              </a:ext>
-            </a:extLst>
-          </p:cNvPr>
+          <p:cNvPr id="7" name="Slide Number Placeholder 6"/>
           <p:cNvSpPr>
             <a:spLocks noGrp="1"/>
           </p:cNvSpPr>
@@ -2444,10 +2738,23 @@
             <p:ph type="sldNum" sz="quarter" idx="12"/>
           </p:nvPr>
         </p:nvSpPr>
-        <p:spPr/>
-        <p:txBody>
-          <a:bodyPr/>
-          <a:lstStyle/>
+        <p:spPr>
+          <a:xfrm>
+            <a:off x="9883140" y="6453386"/>
+            <a:ext cx="1596292" cy="404614"/>
+          </a:xfrm>
+        </p:spPr>
+        <p:txBody>
+          <a:bodyPr/>
+          <a:lstStyle>
+            <a:lvl1pPr>
+              <a:defRPr>
+                <a:solidFill>
+                  <a:schemeClr val="tx2"/>
+                </a:solidFill>
+              </a:defRPr>
+            </a:lvl1pPr>
+          </a:lstStyle>
           <a:p>
             <a:fld id="{2D614098-5708-4EF4-8936-F6998C02DBAF}" type="slidenum">
               <a:rPr lang="zh-CN" altLang="en-US" smtClean="0"/>
@@ -2457,10 +2764,48 @@
           </a:p>
         </p:txBody>
       </p:sp>
+      <p:sp>
+        <p:nvSpPr>
+          <p:cNvPr id="9" name="Rectangle 8" title="Divider Bar"/>
+          <p:cNvSpPr/>
+          <p:nvPr/>
+        </p:nvSpPr>
+        <p:spPr>
+          <a:xfrm>
+            <a:off x="5303520" y="376"/>
+            <a:ext cx="228600" cy="6858000"/>
+          </a:xfrm>
+          <a:prstGeom prst="rect">
+            <a:avLst/>
+          </a:prstGeom>
+          <a:solidFill>
+            <a:schemeClr val="tx2"/>
+          </a:solidFill>
+          <a:ln>
+            <a:noFill/>
+          </a:ln>
+        </p:spPr>
+        <p:style>
+          <a:lnRef idx="2">
+            <a:schemeClr val="accent1">
+              <a:shade val="50000"/>
+            </a:schemeClr>
+          </a:lnRef>
+          <a:fillRef idx="1">
+            <a:schemeClr val="accent1"/>
+          </a:fillRef>
+          <a:effectRef idx="0">
+            <a:schemeClr val="accent1"/>
+          </a:effectRef>
+          <a:fontRef idx="minor">
+            <a:schemeClr val="lt1"/>
+          </a:fontRef>
+        </p:style>
+      </p:sp>
     </p:spTree>
     <p:extLst>
       <p:ext uri="{BB962C8B-B14F-4D97-AF65-F5344CB8AC3E}">
-        <p14:creationId xmlns:p14="http://schemas.microsoft.com/office/powerpoint/2010/main" val="1535168226"/>
+        <p14:creationId xmlns:p14="http://schemas.microsoft.com/office/powerpoint/2010/main" val="51086379"/>
       </p:ext>
     </p:extLst>
   </p:cSld>
@@ -2471,7 +2816,7 @@
 </file>
 
 <file path=ppt/slideLayouts/slideLayout9.xml><?xml version="1.0" encoding="utf-8"?>
-<p:sldLayout xmlns:a="http://schemas.openxmlformats.org/drawingml/2006/main" xmlns:r="http://schemas.openxmlformats.org/officeDocument/2006/relationships" xmlns:p="http://schemas.openxmlformats.org/presentationml/2006/main" type="picTx" preserve="1">
+<p:sldLayout xmlns:a="http://schemas.openxmlformats.org/drawingml/2006/main" xmlns:r="http://schemas.openxmlformats.org/officeDocument/2006/relationships" xmlns:p="http://schemas.openxmlformats.org/presentationml/2006/main" showMasterSp="0" type="picTx" preserve="1">
   <p:cSld name="图片与标题">
     <p:spTree>
       <p:nvGrpSpPr>
@@ -2489,13 +2834,45 @@
       </p:grpSpPr>
       <p:sp>
         <p:nvSpPr>
-          <p:cNvPr id="2" name="标题 1">
-            <a:extLst>
-              <a:ext uri="{FF2B5EF4-FFF2-40B4-BE49-F238E27FC236}">
-                <a16:creationId xmlns:a16="http://schemas.microsoft.com/office/drawing/2014/main" id="{F0DB681A-7955-4EDB-8995-DB84F4BE2FAF}"/>
-              </a:ext>
-            </a:extLst>
-          </p:cNvPr>
+          <p:cNvPr id="8" name="Rectangle 7" title="Background Shape"/>
+          <p:cNvSpPr/>
+          <p:nvPr/>
+        </p:nvSpPr>
+        <p:spPr>
+          <a:xfrm>
+            <a:off x="0" y="376"/>
+            <a:ext cx="5303520" cy="6857624"/>
+          </a:xfrm>
+          <a:prstGeom prst="rect">
+            <a:avLst/>
+          </a:prstGeom>
+          <a:solidFill>
+            <a:schemeClr val="accent1"/>
+          </a:solidFill>
+          <a:ln>
+            <a:noFill/>
+          </a:ln>
+        </p:spPr>
+        <p:style>
+          <a:lnRef idx="2">
+            <a:schemeClr val="accent1">
+              <a:shade val="50000"/>
+            </a:schemeClr>
+          </a:lnRef>
+          <a:fillRef idx="1">
+            <a:schemeClr val="accent1"/>
+          </a:fillRef>
+          <a:effectRef idx="0">
+            <a:schemeClr val="accent1"/>
+          </a:effectRef>
+          <a:fontRef idx="minor">
+            <a:schemeClr val="lt1"/>
+          </a:fontRef>
+        </p:style>
+      </p:sp>
+      <p:sp>
+        <p:nvSpPr>
+          <p:cNvPr id="2" name="Title 1"/>
           <p:cNvSpPr>
             <a:spLocks noGrp="1"/>
           </p:cNvSpPr>
@@ -2505,15 +2882,20 @@
         </p:nvSpPr>
         <p:spPr>
           <a:xfrm>
-            <a:off x="839788" y="457200"/>
-            <a:ext cx="3932237" cy="1600200"/>
-          </a:xfrm>
-        </p:spPr>
-        <p:txBody>
-          <a:bodyPr anchor="b"/>
+            <a:off x="723900" y="685800"/>
+            <a:ext cx="3855720" cy="2157884"/>
+          </a:xfrm>
+        </p:spPr>
+        <p:txBody>
+          <a:bodyPr anchor="t">
+            <a:normAutofit/>
+          </a:bodyPr>
           <a:lstStyle>
             <a:lvl1pPr>
-              <a:defRPr sz="3200"/>
+              <a:lnSpc>
+                <a:spcPct val="84000"/>
+              </a:lnSpc>
+              <a:defRPr sz="4800" baseline="0"/>
             </a:lvl1pPr>
           </a:lstStyle>
           <a:p>
@@ -2521,20 +2903,15 @@
               <a:rPr lang="zh-CN" altLang="en-US"/>
               <a:t>单击此处编辑母版标题样式</a:t>
             </a:r>
-          </a:p>
-        </p:txBody>
-      </p:sp>
-      <p:sp>
-        <p:nvSpPr>
-          <p:cNvPr id="3" name="图片占位符 2">
-            <a:extLst>
-              <a:ext uri="{FF2B5EF4-FFF2-40B4-BE49-F238E27FC236}">
-                <a16:creationId xmlns:a16="http://schemas.microsoft.com/office/drawing/2014/main" id="{8A39FECD-E981-4F2C-9AAE-0A002CB4CDCD}"/>
-              </a:ext>
-            </a:extLst>
-          </p:cNvPr>
-          <p:cNvSpPr>
-            <a:spLocks noGrp="1"/>
+            <a:endParaRPr lang="en-US" dirty="0"/>
+          </a:p>
+        </p:txBody>
+      </p:sp>
+      <p:sp>
+        <p:nvSpPr>
+          <p:cNvPr id="3" name="Picture Placeholder 2"/>
+          <p:cNvSpPr>
+            <a:spLocks noGrp="1" noChangeAspect="1"/>
           </p:cNvSpPr>
           <p:nvPr>
             <p:ph type="pic" idx="1"/>
@@ -2542,24 +2919,26 @@
         </p:nvSpPr>
         <p:spPr>
           <a:xfrm>
-            <a:off x="5183188" y="987425"/>
-            <a:ext cx="6172200" cy="4873625"/>
-          </a:xfrm>
-        </p:spPr>
-        <p:txBody>
-          <a:bodyPr/>
+            <a:off x="5532120" y="0"/>
+            <a:ext cx="6659880" cy="6857999"/>
+          </a:xfrm>
+        </p:spPr>
+        <p:txBody>
+          <a:bodyPr anchor="t">
+            <a:normAutofit/>
+          </a:bodyPr>
           <a:lstStyle>
             <a:lvl1pPr marL="0" indent="0">
               <a:buNone/>
-              <a:defRPr sz="3200"/>
+              <a:defRPr sz="2000"/>
             </a:lvl1pPr>
             <a:lvl2pPr marL="457200" indent="0">
               <a:buNone/>
-              <a:defRPr sz="2800"/>
+              <a:defRPr sz="2000"/>
             </a:lvl2pPr>
             <a:lvl3pPr marL="914400" indent="0">
               <a:buNone/>
-              <a:defRPr sz="2400"/>
+              <a:defRPr sz="2000"/>
             </a:lvl3pPr>
             <a:lvl4pPr marL="1371600" indent="0">
               <a:buNone/>
@@ -2587,19 +2966,17 @@
             </a:lvl9pPr>
           </a:lstStyle>
           <a:p>
-            <a:endParaRPr lang="zh-CN" altLang="en-US"/>
-          </a:p>
-        </p:txBody>
-      </p:sp>
-      <p:sp>
-        <p:nvSpPr>
-          <p:cNvPr id="4" name="文本占位符 3">
-            <a:extLst>
-              <a:ext uri="{FF2B5EF4-FFF2-40B4-BE49-F238E27FC236}">
-                <a16:creationId xmlns:a16="http://schemas.microsoft.com/office/drawing/2014/main" id="{0E76C2C2-1AC6-4287-8B46-29DAF2754A60}"/>
-              </a:ext>
-            </a:extLst>
-          </p:cNvPr>
+            <a:r>
+              <a:rPr lang="zh-CN" altLang="en-US"/>
+              <a:t>单击图标添加图片</a:t>
+            </a:r>
+            <a:endParaRPr lang="en-US" dirty="0"/>
+          </a:p>
+        </p:txBody>
+      </p:sp>
+      <p:sp>
+        <p:nvSpPr>
+          <p:cNvPr id="4" name="Text Placeholder 3"/>
           <p:cNvSpPr>
             <a:spLocks noGrp="1"/>
           </p:cNvSpPr>
@@ -2609,14 +2986,23 @@
         </p:nvSpPr>
         <p:spPr>
           <a:xfrm>
-            <a:off x="839788" y="2057400"/>
-            <a:ext cx="3932237" cy="3811588"/>
+            <a:off x="723900" y="2855968"/>
+            <a:ext cx="3855720" cy="3011432"/>
           </a:xfrm>
         </p:spPr>
         <p:txBody>
           <a:bodyPr/>
           <a:lstStyle>
             <a:lvl1pPr marL="0" indent="0">
+              <a:lnSpc>
+                <a:spcPct val="113000"/>
+              </a:lnSpc>
+              <a:spcBef>
+                <a:spcPts val="0"/>
+              </a:spcBef>
+              <a:spcAft>
+                <a:spcPts val="1500"/>
+              </a:spcAft>
               <a:buNone/>
               <a:defRPr sz="1600"/>
             </a:lvl1pPr>
@@ -2664,13 +3050,7 @@
       </p:sp>
       <p:sp>
         <p:nvSpPr>
-          <p:cNvPr id="5" name="日期占位符 4">
-            <a:extLst>
-              <a:ext uri="{FF2B5EF4-FFF2-40B4-BE49-F238E27FC236}">
-                <a16:creationId xmlns:a16="http://schemas.microsoft.com/office/drawing/2014/main" id="{D617DF9C-A15F-483F-B2B4-5EBA2E40FD01}"/>
-              </a:ext>
-            </a:extLst>
-          </p:cNvPr>
+          <p:cNvPr id="5" name="Date Placeholder 4"/>
           <p:cNvSpPr>
             <a:spLocks noGrp="1"/>
           </p:cNvSpPr>
@@ -2678,14 +3058,27 @@
             <p:ph type="dt" sz="half" idx="10"/>
           </p:nvPr>
         </p:nvSpPr>
-        <p:spPr/>
-        <p:txBody>
-          <a:bodyPr/>
-          <a:lstStyle/>
+        <p:spPr>
+          <a:xfrm>
+            <a:off x="723900" y="6453386"/>
+            <a:ext cx="1204572" cy="404614"/>
+          </a:xfrm>
+        </p:spPr>
+        <p:txBody>
+          <a:bodyPr/>
+          <a:lstStyle>
+            <a:lvl1pPr>
+              <a:defRPr>
+                <a:solidFill>
+                  <a:schemeClr val="tx2"/>
+                </a:solidFill>
+              </a:defRPr>
+            </a:lvl1pPr>
+          </a:lstStyle>
           <a:p>
             <a:fld id="{128A4F67-7F60-41BA-AE93-9E52CE5232A9}" type="datetimeFigureOut">
               <a:rPr lang="zh-CN" altLang="en-US" smtClean="0"/>
-              <a:t>2021/6/3</a:t>
+              <a:t>2021/6/5</a:t>
             </a:fld>
             <a:endParaRPr lang="zh-CN" altLang="en-US"/>
           </a:p>
@@ -2693,13 +3086,7 @@
       </p:sp>
       <p:sp>
         <p:nvSpPr>
-          <p:cNvPr id="6" name="页脚占位符 5">
-            <a:extLst>
-              <a:ext uri="{FF2B5EF4-FFF2-40B4-BE49-F238E27FC236}">
-                <a16:creationId xmlns:a16="http://schemas.microsoft.com/office/drawing/2014/main" id="{8A0F0676-043D-47BB-BC95-860C39CE8156}"/>
-              </a:ext>
-            </a:extLst>
-          </p:cNvPr>
+          <p:cNvPr id="6" name="Footer Placeholder 5"/>
           <p:cNvSpPr>
             <a:spLocks noGrp="1"/>
           </p:cNvSpPr>
@@ -2707,10 +3094,23 @@
             <p:ph type="ftr" sz="quarter" idx="11"/>
           </p:nvPr>
         </p:nvSpPr>
-        <p:spPr/>
-        <p:txBody>
-          <a:bodyPr/>
-          <a:lstStyle/>
+        <p:spPr>
+          <a:xfrm>
+            <a:off x="2205945" y="6453386"/>
+            <a:ext cx="2373675" cy="404614"/>
+          </a:xfrm>
+        </p:spPr>
+        <p:txBody>
+          <a:bodyPr/>
+          <a:lstStyle>
+            <a:lvl1pPr>
+              <a:defRPr>
+                <a:solidFill>
+                  <a:schemeClr val="tx2"/>
+                </a:solidFill>
+              </a:defRPr>
+            </a:lvl1pPr>
+          </a:lstStyle>
           <a:p>
             <a:endParaRPr lang="zh-CN" altLang="en-US"/>
           </a:p>
@@ -2718,13 +3118,7 @@
       </p:sp>
       <p:sp>
         <p:nvSpPr>
-          <p:cNvPr id="7" name="灯片编号占位符 6">
-            <a:extLst>
-              <a:ext uri="{FF2B5EF4-FFF2-40B4-BE49-F238E27FC236}">
-                <a16:creationId xmlns:a16="http://schemas.microsoft.com/office/drawing/2014/main" id="{367B0812-5336-4473-8D9F-5767714ACC16}"/>
-              </a:ext>
-            </a:extLst>
-          </p:cNvPr>
+          <p:cNvPr id="7" name="Slide Number Placeholder 6"/>
           <p:cNvSpPr>
             <a:spLocks noGrp="1"/>
           </p:cNvSpPr>
@@ -2732,10 +3126,23 @@
             <p:ph type="sldNum" sz="quarter" idx="12"/>
           </p:nvPr>
         </p:nvSpPr>
-        <p:spPr/>
-        <p:txBody>
-          <a:bodyPr/>
-          <a:lstStyle/>
+        <p:spPr>
+          <a:xfrm>
+            <a:off x="9883140" y="6453386"/>
+            <a:ext cx="1596292" cy="404614"/>
+          </a:xfrm>
+        </p:spPr>
+        <p:txBody>
+          <a:bodyPr/>
+          <a:lstStyle>
+            <a:lvl1pPr>
+              <a:defRPr>
+                <a:solidFill>
+                  <a:schemeClr val="tx2"/>
+                </a:solidFill>
+              </a:defRPr>
+            </a:lvl1pPr>
+          </a:lstStyle>
           <a:p>
             <a:fld id="{2D614098-5708-4EF4-8936-F6998C02DBAF}" type="slidenum">
               <a:rPr lang="zh-CN" altLang="en-US" smtClean="0"/>
@@ -2745,10 +3152,48 @@
           </a:p>
         </p:txBody>
       </p:sp>
+      <p:sp>
+        <p:nvSpPr>
+          <p:cNvPr id="9" name="Rectangle 8" title="Divider Bar"/>
+          <p:cNvSpPr/>
+          <p:nvPr/>
+        </p:nvSpPr>
+        <p:spPr>
+          <a:xfrm>
+            <a:off x="5303520" y="376"/>
+            <a:ext cx="228600" cy="6858000"/>
+          </a:xfrm>
+          <a:prstGeom prst="rect">
+            <a:avLst/>
+          </a:prstGeom>
+          <a:solidFill>
+            <a:schemeClr val="tx2"/>
+          </a:solidFill>
+          <a:ln>
+            <a:noFill/>
+          </a:ln>
+        </p:spPr>
+        <p:style>
+          <a:lnRef idx="2">
+            <a:schemeClr val="accent1">
+              <a:shade val="50000"/>
+            </a:schemeClr>
+          </a:lnRef>
+          <a:fillRef idx="1">
+            <a:schemeClr val="accent1"/>
+          </a:fillRef>
+          <a:effectRef idx="0">
+            <a:schemeClr val="accent1"/>
+          </a:effectRef>
+          <a:fontRef idx="minor">
+            <a:schemeClr val="lt1"/>
+          </a:fontRef>
+        </p:style>
+      </p:sp>
     </p:spTree>
     <p:extLst>
       <p:ext uri="{BB962C8B-B14F-4D97-AF65-F5344CB8AC3E}">
-        <p14:creationId xmlns:p14="http://schemas.microsoft.com/office/powerpoint/2010/main" val="2840160003"/>
+        <p14:creationId xmlns:p14="http://schemas.microsoft.com/office/powerpoint/2010/main" val="1877880434"/>
       </p:ext>
     </p:extLst>
   </p:cSld>
@@ -2762,9 +3207,12 @@
 <p:sldMaster xmlns:a="http://schemas.openxmlformats.org/drawingml/2006/main" xmlns:r="http://schemas.openxmlformats.org/officeDocument/2006/relationships" xmlns:p="http://schemas.openxmlformats.org/presentationml/2006/main">
   <p:cSld>
     <p:bg>
-      <p:bgRef idx="1001">
-        <a:schemeClr val="bg1"/>
-      </p:bgRef>
+      <p:bgPr>
+        <a:solidFill>
+          <a:schemeClr val="bg2"/>
+        </a:solidFill>
+        <a:effectLst/>
+      </p:bgPr>
     </p:bg>
     <p:spTree>
       <p:nvGrpSpPr>
@@ -2782,13 +3230,7 @@
       </p:grpSpPr>
       <p:sp>
         <p:nvSpPr>
-          <p:cNvPr id="2" name="标题占位符 1">
-            <a:extLst>
-              <a:ext uri="{FF2B5EF4-FFF2-40B4-BE49-F238E27FC236}">
-                <a16:creationId xmlns:a16="http://schemas.microsoft.com/office/drawing/2014/main" id="{2DE144D0-C1E4-4D9A-824D-D010CB3897A9}"/>
-              </a:ext>
-            </a:extLst>
-          </p:cNvPr>
+          <p:cNvPr id="2" name="Title Placeholder 1"/>
           <p:cNvSpPr>
             <a:spLocks noGrp="1"/>
           </p:cNvSpPr>
@@ -2798,15 +3240,15 @@
         </p:nvSpPr>
         <p:spPr>
           <a:xfrm>
-            <a:off x="838200" y="365125"/>
-            <a:ext cx="10515600" cy="1325563"/>
+            <a:off x="1371600" y="685800"/>
+            <a:ext cx="9601200" cy="1485900"/>
           </a:xfrm>
           <a:prstGeom prst="rect">
             <a:avLst/>
           </a:prstGeom>
         </p:spPr>
         <p:txBody>
-          <a:bodyPr vert="horz" lIns="91440" tIns="45720" rIns="91440" bIns="45720" rtlCol="0" anchor="ctr">
+          <a:bodyPr vert="horz" lIns="91440" tIns="45720" rIns="91440" bIns="45720" rtlCol="0" anchor="t">
             <a:normAutofit/>
           </a:bodyPr>
           <a:lstStyle/>
@@ -2815,18 +3257,13 @@
               <a:rPr lang="zh-CN" altLang="en-US"/>
               <a:t>单击此处编辑母版标题样式</a:t>
             </a:r>
-          </a:p>
-        </p:txBody>
-      </p:sp>
-      <p:sp>
-        <p:nvSpPr>
-          <p:cNvPr id="3" name="文本占位符 2">
-            <a:extLst>
-              <a:ext uri="{FF2B5EF4-FFF2-40B4-BE49-F238E27FC236}">
-                <a16:creationId xmlns:a16="http://schemas.microsoft.com/office/drawing/2014/main" id="{C26C13B3-72BD-4397-A968-B5901C78DE59}"/>
-              </a:ext>
-            </a:extLst>
-          </p:cNvPr>
+            <a:endParaRPr lang="en-US" dirty="0"/>
+          </a:p>
+        </p:txBody>
+      </p:sp>
+      <p:sp>
+        <p:nvSpPr>
+          <p:cNvPr id="3" name="Text Placeholder 2"/>
           <p:cNvSpPr>
             <a:spLocks noGrp="1"/>
           </p:cNvSpPr>
@@ -2836,8 +3273,8 @@
         </p:nvSpPr>
         <p:spPr>
           <a:xfrm>
-            <a:off x="838200" y="1825625"/>
-            <a:ext cx="10515600" cy="4351338"/>
+            <a:off x="1371600" y="2286000"/>
+            <a:ext cx="9601200" cy="3581400"/>
           </a:xfrm>
           <a:prstGeom prst="rect">
             <a:avLst/>
@@ -2882,18 +3319,13 @@
               <a:rPr lang="zh-CN" altLang="en-US"/>
               <a:t>五级</a:t>
             </a:r>
-          </a:p>
-        </p:txBody>
-      </p:sp>
-      <p:sp>
-        <p:nvSpPr>
-          <p:cNvPr id="4" name="日期占位符 3">
-            <a:extLst>
-              <a:ext uri="{FF2B5EF4-FFF2-40B4-BE49-F238E27FC236}">
-                <a16:creationId xmlns:a16="http://schemas.microsoft.com/office/drawing/2014/main" id="{C4357B43-A838-41F6-8E0D-27464792AC0E}"/>
-              </a:ext>
-            </a:extLst>
-          </p:cNvPr>
+            <a:endParaRPr lang="en-US" dirty="0"/>
+          </a:p>
+        </p:txBody>
+      </p:sp>
+      <p:sp>
+        <p:nvSpPr>
+          <p:cNvPr id="4" name="Date Placeholder 3"/>
           <p:cNvSpPr>
             <a:spLocks noGrp="1"/>
           </p:cNvSpPr>
@@ -2903,8 +3335,8 @@
         </p:nvSpPr>
         <p:spPr>
           <a:xfrm>
-            <a:off x="838200" y="6356350"/>
-            <a:ext cx="2743200" cy="365125"/>
+            <a:off x="1390650" y="6453386"/>
+            <a:ext cx="1204572" cy="404614"/>
           </a:xfrm>
           <a:prstGeom prst="rect">
             <a:avLst/>
@@ -2914,11 +3346,9 @@
           <a:bodyPr vert="horz" lIns="91440" tIns="45720" rIns="91440" bIns="45720" rtlCol="0" anchor="ctr"/>
           <a:lstStyle>
             <a:lvl1pPr algn="l">
-              <a:defRPr sz="1200">
+              <a:defRPr sz="1200" baseline="0">
                 <a:solidFill>
-                  <a:schemeClr val="tx1">
-                    <a:tint val="75000"/>
-                  </a:schemeClr>
+                  <a:schemeClr val="tx2"/>
                 </a:solidFill>
               </a:defRPr>
             </a:lvl1pPr>
@@ -2926,7 +3356,7 @@
           <a:p>
             <a:fld id="{128A4F67-7F60-41BA-AE93-9E52CE5232A9}" type="datetimeFigureOut">
               <a:rPr lang="zh-CN" altLang="en-US" smtClean="0"/>
-              <a:t>2021/6/3</a:t>
+              <a:t>2021/6/5</a:t>
             </a:fld>
             <a:endParaRPr lang="zh-CN" altLang="en-US"/>
           </a:p>
@@ -2934,13 +3364,7 @@
       </p:sp>
       <p:sp>
         <p:nvSpPr>
-          <p:cNvPr id="5" name="页脚占位符 4">
-            <a:extLst>
-              <a:ext uri="{FF2B5EF4-FFF2-40B4-BE49-F238E27FC236}">
-                <a16:creationId xmlns:a16="http://schemas.microsoft.com/office/drawing/2014/main" id="{78219ACC-1A12-415A-A096-2852112D29AC}"/>
-              </a:ext>
-            </a:extLst>
-          </p:cNvPr>
+          <p:cNvPr id="5" name="Footer Placeholder 4"/>
           <p:cNvSpPr>
             <a:spLocks noGrp="1"/>
           </p:cNvSpPr>
@@ -2950,8 +3374,8 @@
         </p:nvSpPr>
         <p:spPr>
           <a:xfrm>
-            <a:off x="4038600" y="6356350"/>
-            <a:ext cx="4114800" cy="365125"/>
+            <a:off x="2893564" y="6453386"/>
+            <a:ext cx="6280830" cy="404614"/>
           </a:xfrm>
           <a:prstGeom prst="rect">
             <a:avLst/>
@@ -2960,12 +3384,10 @@
         <p:txBody>
           <a:bodyPr vert="horz" lIns="91440" tIns="45720" rIns="91440" bIns="45720" rtlCol="0" anchor="ctr"/>
           <a:lstStyle>
-            <a:lvl1pPr algn="ctr">
-              <a:defRPr sz="1200">
+            <a:lvl1pPr algn="l">
+              <a:defRPr sz="1200" baseline="0">
                 <a:solidFill>
-                  <a:schemeClr val="tx1">
-                    <a:tint val="75000"/>
-                  </a:schemeClr>
+                  <a:schemeClr val="tx2"/>
                 </a:solidFill>
               </a:defRPr>
             </a:lvl1pPr>
@@ -2977,13 +3399,7 @@
       </p:sp>
       <p:sp>
         <p:nvSpPr>
-          <p:cNvPr id="6" name="灯片编号占位符 5">
-            <a:extLst>
-              <a:ext uri="{FF2B5EF4-FFF2-40B4-BE49-F238E27FC236}">
-                <a16:creationId xmlns:a16="http://schemas.microsoft.com/office/drawing/2014/main" id="{1EE9BCC8-02D0-439C-A4C2-25AF06A02111}"/>
-              </a:ext>
-            </a:extLst>
-          </p:cNvPr>
+          <p:cNvPr id="6" name="Slide Number Placeholder 5"/>
           <p:cNvSpPr>
             <a:spLocks noGrp="1"/>
           </p:cNvSpPr>
@@ -2993,8 +3409,8 @@
         </p:nvSpPr>
         <p:spPr>
           <a:xfrm>
-            <a:off x="8610600" y="6356350"/>
-            <a:ext cx="2743200" cy="365125"/>
+            <a:off x="9472736" y="6453386"/>
+            <a:ext cx="1596292" cy="404614"/>
           </a:xfrm>
           <a:prstGeom prst="rect">
             <a:avLst/>
@@ -3004,11 +3420,9 @@
           <a:bodyPr vert="horz" lIns="91440" tIns="45720" rIns="91440" bIns="45720" rtlCol="0" anchor="ctr"/>
           <a:lstStyle>
             <a:lvl1pPr algn="r">
-              <a:defRPr sz="1200">
+              <a:defRPr sz="1200" baseline="0">
                 <a:solidFill>
-                  <a:schemeClr val="tx1">
-                    <a:tint val="75000"/>
-                  </a:schemeClr>
+                  <a:schemeClr val="tx2"/>
                 </a:solidFill>
               </a:defRPr>
             </a:lvl1pPr>
@@ -3022,40 +3436,78 @@
           </a:p>
         </p:txBody>
       </p:sp>
+      <p:sp>
+        <p:nvSpPr>
+          <p:cNvPr id="9" name="Rectangle 8" title="Side bar"/>
+          <p:cNvSpPr/>
+          <p:nvPr/>
+        </p:nvSpPr>
+        <p:spPr>
+          <a:xfrm>
+            <a:off x="478095" y="376"/>
+            <a:ext cx="228600" cy="6858000"/>
+          </a:xfrm>
+          <a:prstGeom prst="rect">
+            <a:avLst/>
+          </a:prstGeom>
+          <a:solidFill>
+            <a:schemeClr val="tx2"/>
+          </a:solidFill>
+          <a:ln>
+            <a:noFill/>
+          </a:ln>
+        </p:spPr>
+        <p:style>
+          <a:lnRef idx="2">
+            <a:schemeClr val="accent1">
+              <a:shade val="50000"/>
+            </a:schemeClr>
+          </a:lnRef>
+          <a:fillRef idx="1">
+            <a:schemeClr val="accent1"/>
+          </a:fillRef>
+          <a:effectRef idx="0">
+            <a:schemeClr val="accent1"/>
+          </a:effectRef>
+          <a:fontRef idx="minor">
+            <a:schemeClr val="lt1"/>
+          </a:fontRef>
+        </p:style>
+      </p:sp>
     </p:spTree>
     <p:extLst>
       <p:ext uri="{BB962C8B-B14F-4D97-AF65-F5344CB8AC3E}">
-        <p14:creationId xmlns:p14="http://schemas.microsoft.com/office/powerpoint/2010/main" val="3119640137"/>
+        <p14:creationId xmlns:p14="http://schemas.microsoft.com/office/powerpoint/2010/main" val="1783394974"/>
       </p:ext>
     </p:extLst>
   </p:cSld>
   <p:clrMap bg1="lt1" tx1="dk1" bg2="lt2" tx2="dk2" accent1="accent1" accent2="accent2" accent3="accent3" accent4="accent4" accent5="accent5" accent6="accent6" hlink="hlink" folHlink="folHlink"/>
   <p:sldLayoutIdLst>
-    <p:sldLayoutId id="2147483649" r:id="rId1"/>
-    <p:sldLayoutId id="2147483650" r:id="rId2"/>
-    <p:sldLayoutId id="2147483651" r:id="rId3"/>
-    <p:sldLayoutId id="2147483652" r:id="rId4"/>
-    <p:sldLayoutId id="2147483653" r:id="rId5"/>
-    <p:sldLayoutId id="2147483654" r:id="rId6"/>
-    <p:sldLayoutId id="2147483655" r:id="rId7"/>
-    <p:sldLayoutId id="2147483656" r:id="rId8"/>
-    <p:sldLayoutId id="2147483657" r:id="rId9"/>
-    <p:sldLayoutId id="2147483658" r:id="rId10"/>
-    <p:sldLayoutId id="2147483659" r:id="rId11"/>
+    <p:sldLayoutId id="2147483673" r:id="rId1"/>
+    <p:sldLayoutId id="2147483674" r:id="rId2"/>
+    <p:sldLayoutId id="2147483675" r:id="rId3"/>
+    <p:sldLayoutId id="2147483676" r:id="rId4"/>
+    <p:sldLayoutId id="2147483677" r:id="rId5"/>
+    <p:sldLayoutId id="2147483678" r:id="rId6"/>
+    <p:sldLayoutId id="2147483679" r:id="rId7"/>
+    <p:sldLayoutId id="2147483680" r:id="rId8"/>
+    <p:sldLayoutId id="2147483681" r:id="rId9"/>
+    <p:sldLayoutId id="2147483682" r:id="rId10"/>
+    <p:sldLayoutId id="2147483683" r:id="rId11"/>
   </p:sldLayoutIdLst>
   <p:txStyles>
     <p:titleStyle>
       <a:lvl1pPr algn="l" defTabSz="914400" rtl="0" eaLnBrk="1" latinLnBrk="0" hangingPunct="1">
         <a:lnSpc>
-          <a:spcPct val="90000"/>
+          <a:spcPct val="89000"/>
         </a:lnSpc>
         <a:spcBef>
           <a:spcPct val="0"/>
         </a:spcBef>
         <a:buNone/>
-        <a:defRPr sz="4400" kern="1200">
+        <a:defRPr sz="4400" kern="1200" baseline="0">
           <a:solidFill>
-            <a:schemeClr val="tx1"/>
+            <a:schemeClr val="tx2"/>
           </a:solidFill>
           <a:latin typeface="+mj-lt"/>
           <a:ea typeface="+mj-ea"/>
@@ -3064,162 +3516,189 @@
       </a:lvl1pPr>
     </p:titleStyle>
     <p:bodyStyle>
-      <a:lvl1pPr marL="228600" indent="-228600" algn="l" defTabSz="914400" rtl="0" eaLnBrk="1" latinLnBrk="0" hangingPunct="1">
+      <a:lvl1pPr marL="384048" indent="-384048" algn="l" defTabSz="914400" rtl="0" eaLnBrk="1" latinLnBrk="0" hangingPunct="1">
         <a:lnSpc>
-          <a:spcPct val="90000"/>
+          <a:spcPct val="94000"/>
         </a:lnSpc>
         <a:spcBef>
           <a:spcPts val="1000"/>
         </a:spcBef>
-        <a:buFont typeface="Arial" panose="020B0604020202020204" pitchFamily="34" charset="0"/>
-        <a:buChar char="•"/>
-        <a:defRPr sz="2800" kern="1200">
+        <a:spcAft>
+          <a:spcPts val="200"/>
+        </a:spcAft>
+        <a:buFont typeface="Franklin Gothic Book" panose="020B0503020102020204" pitchFamily="34" charset="0"/>
+        <a:buChar char="■"/>
+        <a:defRPr sz="2000" kern="1200" baseline="0">
           <a:solidFill>
-            <a:schemeClr val="tx1"/>
+            <a:schemeClr val="tx2"/>
           </a:solidFill>
           <a:latin typeface="+mn-lt"/>
           <a:ea typeface="+mn-ea"/>
           <a:cs typeface="+mn-cs"/>
         </a:defRPr>
       </a:lvl1pPr>
-      <a:lvl2pPr marL="685800" indent="-228600" algn="l" defTabSz="914400" rtl="0" eaLnBrk="1" latinLnBrk="0" hangingPunct="1">
+      <a:lvl2pPr marL="914400" indent="-384048" algn="l" defTabSz="914400" rtl="0" eaLnBrk="1" latinLnBrk="0" hangingPunct="1">
         <a:lnSpc>
-          <a:spcPct val="90000"/>
+          <a:spcPct val="94000"/>
         </a:lnSpc>
         <a:spcBef>
           <a:spcPts val="500"/>
         </a:spcBef>
-        <a:buFont typeface="Arial" panose="020B0604020202020204" pitchFamily="34" charset="0"/>
-        <a:buChar char="•"/>
-        <a:defRPr sz="2400" kern="1200">
+        <a:spcAft>
+          <a:spcPts val="200"/>
+        </a:spcAft>
+        <a:buFont typeface="Franklin Gothic Book" panose="020B0503020102020204" pitchFamily="34" charset="0"/>
+        <a:buChar char="–"/>
+        <a:defRPr sz="2000" i="1" kern="1200" baseline="0">
           <a:solidFill>
-            <a:schemeClr val="tx1"/>
+            <a:schemeClr val="tx2"/>
           </a:solidFill>
           <a:latin typeface="+mn-lt"/>
           <a:ea typeface="+mn-ea"/>
           <a:cs typeface="+mn-cs"/>
         </a:defRPr>
       </a:lvl2pPr>
-      <a:lvl3pPr marL="1143000" indent="-228600" algn="l" defTabSz="914400" rtl="0" eaLnBrk="1" latinLnBrk="0" hangingPunct="1">
+      <a:lvl3pPr marL="1371600" indent="-384048" algn="l" defTabSz="914400" rtl="0" eaLnBrk="1" latinLnBrk="0" hangingPunct="1">
         <a:lnSpc>
-          <a:spcPct val="90000"/>
+          <a:spcPct val="94000"/>
         </a:lnSpc>
         <a:spcBef>
           <a:spcPts val="500"/>
         </a:spcBef>
-        <a:buFont typeface="Arial" panose="020B0604020202020204" pitchFamily="34" charset="0"/>
-        <a:buChar char="•"/>
-        <a:defRPr sz="2000" kern="1200">
+        <a:spcAft>
+          <a:spcPts val="200"/>
+        </a:spcAft>
+        <a:buFont typeface="Franklin Gothic Book" panose="020B0503020102020204" pitchFamily="34" charset="0"/>
+        <a:buChar char="■"/>
+        <a:defRPr sz="1800" kern="1200" baseline="0">
           <a:solidFill>
-            <a:schemeClr val="tx1"/>
+            <a:schemeClr val="tx2"/>
           </a:solidFill>
           <a:latin typeface="+mn-lt"/>
           <a:ea typeface="+mn-ea"/>
           <a:cs typeface="+mn-cs"/>
         </a:defRPr>
       </a:lvl3pPr>
-      <a:lvl4pPr marL="1600200" indent="-228600" algn="l" defTabSz="914400" rtl="0" eaLnBrk="1" latinLnBrk="0" hangingPunct="1">
+      <a:lvl4pPr marL="1828800" indent="-384048" algn="l" defTabSz="914400" rtl="0" eaLnBrk="1" latinLnBrk="0" hangingPunct="1">
         <a:lnSpc>
-          <a:spcPct val="90000"/>
+          <a:spcPct val="94000"/>
         </a:lnSpc>
         <a:spcBef>
           <a:spcPts val="500"/>
         </a:spcBef>
-        <a:buFont typeface="Arial" panose="020B0604020202020204" pitchFamily="34" charset="0"/>
-        <a:buChar char="•"/>
-        <a:defRPr sz="1800" kern="1200">
+        <a:spcAft>
+          <a:spcPts val="200"/>
+        </a:spcAft>
+        <a:buFont typeface="Franklin Gothic Book" panose="020B0503020102020204" pitchFamily="34" charset="0"/>
+        <a:buChar char="–"/>
+        <a:defRPr sz="1800" i="1" kern="1200" baseline="0">
           <a:solidFill>
-            <a:schemeClr val="tx1"/>
+            <a:schemeClr val="tx2"/>
           </a:solidFill>
           <a:latin typeface="+mn-lt"/>
           <a:ea typeface="+mn-ea"/>
           <a:cs typeface="+mn-cs"/>
         </a:defRPr>
       </a:lvl4pPr>
-      <a:lvl5pPr marL="2057400" indent="-228600" algn="l" defTabSz="914400" rtl="0" eaLnBrk="1" latinLnBrk="0" hangingPunct="1">
+      <a:lvl5pPr marL="2286000" indent="-384048" algn="l" defTabSz="914400" rtl="0" eaLnBrk="1" latinLnBrk="0" hangingPunct="1">
         <a:lnSpc>
-          <a:spcPct val="90000"/>
+          <a:spcPct val="94000"/>
         </a:lnSpc>
         <a:spcBef>
           <a:spcPts val="500"/>
         </a:spcBef>
-        <a:buFont typeface="Arial" panose="020B0604020202020204" pitchFamily="34" charset="0"/>
-        <a:buChar char="•"/>
-        <a:defRPr sz="1800" kern="1200">
+        <a:spcAft>
+          <a:spcPts val="200"/>
+        </a:spcAft>
+        <a:buFont typeface="Franklin Gothic Book" panose="020B0503020102020204" pitchFamily="34" charset="0"/>
+        <a:buChar char="■"/>
+        <a:defRPr sz="1600" kern="1200" baseline="0">
           <a:solidFill>
-            <a:schemeClr val="tx1"/>
+            <a:schemeClr val="tx2"/>
           </a:solidFill>
           <a:latin typeface="+mn-lt"/>
           <a:ea typeface="+mn-ea"/>
           <a:cs typeface="+mn-cs"/>
         </a:defRPr>
       </a:lvl5pPr>
-      <a:lvl6pPr marL="2514600" indent="-228600" algn="l" defTabSz="914400" rtl="0" eaLnBrk="1" latinLnBrk="0" hangingPunct="1">
+      <a:lvl6pPr marL="2743200" indent="-384048" algn="l" defTabSz="914400" rtl="0" eaLnBrk="1" latinLnBrk="0" hangingPunct="1">
         <a:lnSpc>
-          <a:spcPct val="90000"/>
+          <a:spcPct val="94000"/>
         </a:lnSpc>
         <a:spcBef>
           <a:spcPts val="500"/>
         </a:spcBef>
-        <a:buFont typeface="Arial" panose="020B0604020202020204" pitchFamily="34" charset="0"/>
-        <a:buChar char="•"/>
-        <a:defRPr sz="1800" kern="1200">
+        <a:spcAft>
+          <a:spcPts val="200"/>
+        </a:spcAft>
+        <a:buFont typeface="Franklin Gothic Book" panose="020B0503020102020204" pitchFamily="34" charset="0"/>
+        <a:buChar char="–"/>
+        <a:defRPr sz="1600" i="1" kern="1200" baseline="0">
           <a:solidFill>
-            <a:schemeClr val="tx1"/>
+            <a:schemeClr val="tx2"/>
           </a:solidFill>
           <a:latin typeface="+mn-lt"/>
           <a:ea typeface="+mn-ea"/>
           <a:cs typeface="+mn-cs"/>
         </a:defRPr>
       </a:lvl6pPr>
-      <a:lvl7pPr marL="2971800" indent="-228600" algn="l" defTabSz="914400" rtl="0" eaLnBrk="1" latinLnBrk="0" hangingPunct="1">
+      <a:lvl7pPr marL="3200400" indent="-384048" algn="l" defTabSz="914400" rtl="0" eaLnBrk="1" latinLnBrk="0" hangingPunct="1">
         <a:lnSpc>
-          <a:spcPct val="90000"/>
+          <a:spcPct val="94000"/>
         </a:lnSpc>
         <a:spcBef>
           <a:spcPts val="500"/>
         </a:spcBef>
-        <a:buFont typeface="Arial" panose="020B0604020202020204" pitchFamily="34" charset="0"/>
-        <a:buChar char="•"/>
-        <a:defRPr sz="1800" kern="1200">
+        <a:spcAft>
+          <a:spcPts val="200"/>
+        </a:spcAft>
+        <a:buFont typeface="Franklin Gothic Book" panose="020B0503020102020204" pitchFamily="34" charset="0"/>
+        <a:buChar char="■"/>
+        <a:defRPr sz="1400" kern="1200" baseline="0">
           <a:solidFill>
-            <a:schemeClr val="tx1"/>
+            <a:schemeClr val="tx2"/>
           </a:solidFill>
           <a:latin typeface="+mn-lt"/>
           <a:ea typeface="+mn-ea"/>
           <a:cs typeface="+mn-cs"/>
         </a:defRPr>
       </a:lvl7pPr>
-      <a:lvl8pPr marL="3429000" indent="-228600" algn="l" defTabSz="914400" rtl="0" eaLnBrk="1" latinLnBrk="0" hangingPunct="1">
+      <a:lvl8pPr marL="3657600" indent="-384048" algn="l" defTabSz="914400" rtl="0" eaLnBrk="1" latinLnBrk="0" hangingPunct="1">
         <a:lnSpc>
-          <a:spcPct val="90000"/>
+          <a:spcPct val="94000"/>
         </a:lnSpc>
         <a:spcBef>
           <a:spcPts val="500"/>
         </a:spcBef>
-        <a:buFont typeface="Arial" panose="020B0604020202020204" pitchFamily="34" charset="0"/>
-        <a:buChar char="•"/>
-        <a:defRPr sz="1800" kern="1200">
+        <a:spcAft>
+          <a:spcPts val="200"/>
+        </a:spcAft>
+        <a:buFont typeface="Franklin Gothic Book" panose="020B0503020102020204" pitchFamily="34" charset="0"/>
+        <a:buChar char="–"/>
+        <a:defRPr sz="1400" i="1" kern="1200" baseline="0">
           <a:solidFill>
-            <a:schemeClr val="tx1"/>
+            <a:schemeClr val="tx2"/>
           </a:solidFill>
           <a:latin typeface="+mn-lt"/>
           <a:ea typeface="+mn-ea"/>
           <a:cs typeface="+mn-cs"/>
         </a:defRPr>
       </a:lvl8pPr>
-      <a:lvl9pPr marL="3886200" indent="-228600" algn="l" defTabSz="914400" rtl="0" eaLnBrk="1" latinLnBrk="0" hangingPunct="1">
+      <a:lvl9pPr marL="4114800" indent="-384048" algn="l" defTabSz="914400" rtl="0" eaLnBrk="1" latinLnBrk="0" hangingPunct="1">
         <a:lnSpc>
-          <a:spcPct val="90000"/>
+          <a:spcPct val="94000"/>
         </a:lnSpc>
         <a:spcBef>
           <a:spcPts val="500"/>
         </a:spcBef>
-        <a:buFont typeface="Arial" panose="020B0604020202020204" pitchFamily="34" charset="0"/>
-        <a:buChar char="•"/>
-        <a:defRPr sz="1800" kern="1200">
+        <a:spcAft>
+          <a:spcPts val="200"/>
+        </a:spcAft>
+        <a:buFont typeface="Franklin Gothic Book" panose="020B0503020102020204" pitchFamily="34" charset="0"/>
+        <a:buChar char="■"/>
+        <a:defRPr sz="1400" kern="1200" baseline="0">
           <a:solidFill>
-            <a:schemeClr val="tx1"/>
+            <a:schemeClr val="tx2"/>
           </a:solidFill>
           <a:latin typeface="+mn-lt"/>
           <a:ea typeface="+mn-ea"/>
@@ -3229,7 +3708,7 @@
     </p:bodyStyle>
     <p:otherStyle>
       <a:defPPr>
-        <a:defRPr lang="zh-CN"/>
+        <a:defRPr lang="en-US"/>
       </a:defPPr>
       <a:lvl1pPr marL="0" algn="l" defTabSz="914400" rtl="0" eaLnBrk="1" latinLnBrk="0" hangingPunct="1">
         <a:defRPr sz="1800" kern="1200">
@@ -3323,6 +3802,52 @@
       </a:lvl9pPr>
     </p:otherStyle>
   </p:txStyles>
+  <p:extLst>
+    <p:ext uri="{27BBF7A9-308A-43DC-89C8-2F10F3537804}">
+      <p15:sldGuideLst xmlns:p15="http://schemas.microsoft.com/office/powerpoint/2012/main">
+        <p15:guide id="3" orient="horz" pos="1368">
+          <p15:clr>
+            <a:srgbClr val="F26B43"/>
+          </p15:clr>
+        </p15:guide>
+        <p15:guide id="4" orient="horz" pos="1440">
+          <p15:clr>
+            <a:srgbClr val="F26B43"/>
+          </p15:clr>
+        </p15:guide>
+        <p15:guide id="6" orient="horz" pos="3696">
+          <p15:clr>
+            <a:srgbClr val="F26B43"/>
+          </p15:clr>
+        </p15:guide>
+        <p15:guide id="7" orient="horz" pos="432">
+          <p15:clr>
+            <a:srgbClr val="F26B43"/>
+          </p15:clr>
+        </p15:guide>
+        <p15:guide id="8" orient="horz" pos="1512">
+          <p15:clr>
+            <a:srgbClr val="F26B43"/>
+          </p15:clr>
+        </p15:guide>
+        <p15:guide id="9" pos="6912">
+          <p15:clr>
+            <a:srgbClr val="F26B43"/>
+          </p15:clr>
+        </p15:guide>
+        <p15:guide id="10" pos="936">
+          <p15:clr>
+            <a:srgbClr val="F26B43"/>
+          </p15:clr>
+        </p15:guide>
+        <p15:guide id="11" pos="864">
+          <p15:clr>
+            <a:srgbClr val="F26B43"/>
+          </p15:clr>
+        </p15:guide>
+      </p15:sldGuideLst>
+    </p:ext>
+  </p:extLst>
 </p:sldMaster>
 </file>
 
@@ -3414,7 +3939,7 @@
         </p:nvSpPr>
         <p:spPr>
           <a:xfrm>
-            <a:off x="8579458" y="5381694"/>
+            <a:off x="8453783" y="4692644"/>
             <a:ext cx="3291840" cy="1015663"/>
           </a:xfrm>
           <a:prstGeom prst="rect">
@@ -3663,7 +4188,12 @@
             <p:ph idx="1"/>
           </p:nvPr>
         </p:nvSpPr>
-        <p:spPr/>
+        <p:spPr>
+          <a:xfrm>
+            <a:off x="1295400" y="1843968"/>
+            <a:ext cx="9601200" cy="3581400"/>
+          </a:xfrm>
+        </p:spPr>
         <p:txBody>
           <a:bodyPr/>
           <a:lstStyle/>
@@ -3787,7 +4317,12 @@
             <p:ph idx="1"/>
           </p:nvPr>
         </p:nvSpPr>
-        <p:spPr/>
+        <p:spPr>
+          <a:xfrm>
+            <a:off x="1371600" y="1852636"/>
+            <a:ext cx="9601200" cy="3581400"/>
+          </a:xfrm>
+        </p:spPr>
         <p:txBody>
           <a:bodyPr/>
           <a:lstStyle/>
@@ -3916,7 +4451,12 @@
             <p:ph idx="1"/>
           </p:nvPr>
         </p:nvSpPr>
-        <p:spPr/>
+        <p:spPr>
+          <a:xfrm>
+            <a:off x="1185253" y="1839634"/>
+            <a:ext cx="9601200" cy="3581400"/>
+          </a:xfrm>
+        </p:spPr>
         <p:txBody>
           <a:bodyPr/>
           <a:lstStyle/>
@@ -4040,7 +4580,12 @@
             <p:ph idx="1"/>
           </p:nvPr>
         </p:nvSpPr>
-        <p:spPr/>
+        <p:spPr>
+          <a:xfrm>
+            <a:off x="1258926" y="1839634"/>
+            <a:ext cx="9601200" cy="3581400"/>
+          </a:xfrm>
+        </p:spPr>
         <p:txBody>
           <a:bodyPr/>
           <a:lstStyle/>
@@ -4164,7 +4709,12 @@
             <p:ph idx="1"/>
           </p:nvPr>
         </p:nvSpPr>
-        <p:spPr/>
+        <p:spPr>
+          <a:xfrm>
+            <a:off x="1510277" y="1839634"/>
+            <a:ext cx="9601200" cy="3581400"/>
+          </a:xfrm>
+        </p:spPr>
         <p:txBody>
           <a:bodyPr/>
           <a:lstStyle/>
@@ -4293,7 +4843,12 @@
             <p:ph idx="1"/>
           </p:nvPr>
         </p:nvSpPr>
-        <p:spPr/>
+        <p:spPr>
+          <a:xfrm>
+            <a:off x="1254592" y="1800632"/>
+            <a:ext cx="9601200" cy="3581400"/>
+          </a:xfrm>
+        </p:spPr>
         <p:txBody>
           <a:bodyPr/>
           <a:lstStyle/>
@@ -4417,7 +4972,12 @@
             <p:ph idx="1"/>
           </p:nvPr>
         </p:nvSpPr>
-        <p:spPr/>
+        <p:spPr>
+          <a:xfrm>
+            <a:off x="1371600" y="1722625"/>
+            <a:ext cx="9601200" cy="3581400"/>
+          </a:xfrm>
+        </p:spPr>
         <p:txBody>
           <a:bodyPr/>
           <a:lstStyle/>
@@ -4541,7 +5101,12 @@
             <p:ph idx="1"/>
           </p:nvPr>
         </p:nvSpPr>
-        <p:spPr/>
+        <p:spPr>
+          <a:xfrm>
+            <a:off x="1329193" y="1861302"/>
+            <a:ext cx="9601200" cy="3581400"/>
+          </a:xfrm>
+        </p:spPr>
         <p:txBody>
           <a:bodyPr/>
           <a:lstStyle/>
@@ -4670,7 +5235,12 @@
             <p:ph idx="1"/>
           </p:nvPr>
         </p:nvSpPr>
-        <p:spPr/>
+        <p:spPr>
+          <a:xfrm>
+            <a:off x="1371600" y="1813632"/>
+            <a:ext cx="9601200" cy="3581400"/>
+          </a:xfrm>
+        </p:spPr>
         <p:txBody>
           <a:bodyPr/>
           <a:lstStyle/>
@@ -4833,7 +5403,12 @@
             <p:ph idx="1"/>
           </p:nvPr>
         </p:nvSpPr>
-        <p:spPr/>
+        <p:spPr>
+          <a:xfrm>
+            <a:off x="1069839" y="1700957"/>
+            <a:ext cx="9601200" cy="3581400"/>
+          </a:xfrm>
+        </p:spPr>
         <p:txBody>
           <a:bodyPr/>
           <a:lstStyle/>
@@ -4867,7 +5442,7 @@
         </p:blipFill>
         <p:spPr>
           <a:xfrm>
-            <a:off x="1693627" y="2453767"/>
+            <a:off x="1520961" y="2367094"/>
             <a:ext cx="9463203" cy="4039108"/>
           </a:xfrm>
           <a:prstGeom prst="rect">
@@ -4957,7 +5532,12 @@
             <p:ph idx="1"/>
           </p:nvPr>
         </p:nvSpPr>
-        <p:spPr/>
+        <p:spPr>
+          <a:xfrm>
+            <a:off x="1310077" y="1839634"/>
+            <a:ext cx="9601200" cy="3581400"/>
+          </a:xfrm>
+        </p:spPr>
         <p:txBody>
           <a:bodyPr/>
           <a:lstStyle/>
@@ -4991,7 +5571,7 @@
         </p:blipFill>
         <p:spPr>
           <a:xfrm>
-            <a:off x="1108544" y="2283782"/>
+            <a:off x="1219200" y="2236111"/>
             <a:ext cx="9846070" cy="4276044"/>
           </a:xfrm>
           <a:prstGeom prst="rect">
@@ -5081,7 +5661,12 @@
             <p:ph idx="1"/>
           </p:nvPr>
         </p:nvSpPr>
-        <p:spPr/>
+        <p:spPr>
+          <a:xfrm>
+            <a:off x="1295400" y="1778963"/>
+            <a:ext cx="9601200" cy="3581400"/>
+          </a:xfrm>
+        </p:spPr>
         <p:txBody>
           <a:bodyPr/>
           <a:lstStyle/>
@@ -5221,7 +5806,12 @@
             <p:ph idx="1"/>
           </p:nvPr>
         </p:nvSpPr>
-        <p:spPr/>
+        <p:spPr>
+          <a:xfrm>
+            <a:off x="1331843" y="1934974"/>
+            <a:ext cx="9601200" cy="3581400"/>
+          </a:xfrm>
+        </p:spPr>
         <p:txBody>
           <a:bodyPr/>
           <a:lstStyle/>
@@ -5345,7 +5935,12 @@
             <p:ph idx="1"/>
           </p:nvPr>
         </p:nvSpPr>
-        <p:spPr/>
+        <p:spPr>
+          <a:xfrm>
+            <a:off x="1371600" y="1731293"/>
+            <a:ext cx="9601200" cy="3581400"/>
+          </a:xfrm>
+        </p:spPr>
         <p:txBody>
           <a:bodyPr/>
           <a:lstStyle/>
@@ -5379,7 +5974,7 @@
         </p:blipFill>
         <p:spPr>
           <a:xfrm>
-            <a:off x="985962" y="2381722"/>
+            <a:off x="1185310" y="2247033"/>
             <a:ext cx="10515600" cy="4111153"/>
           </a:xfrm>
           <a:prstGeom prst="rect">
@@ -5469,7 +6064,12 @@
             <p:ph idx="1"/>
           </p:nvPr>
         </p:nvSpPr>
-        <p:spPr/>
+        <p:spPr>
+          <a:xfrm>
+            <a:off x="1268767" y="1826633"/>
+            <a:ext cx="9601200" cy="3581400"/>
+          </a:xfrm>
+        </p:spPr>
         <p:txBody>
           <a:bodyPr/>
           <a:lstStyle/>
@@ -5593,7 +6193,12 @@
             <p:ph idx="1"/>
           </p:nvPr>
         </p:nvSpPr>
-        <p:spPr/>
+        <p:spPr>
+          <a:xfrm>
+            <a:off x="1295400" y="1638300"/>
+            <a:ext cx="9601200" cy="3581400"/>
+          </a:xfrm>
+        </p:spPr>
         <p:txBody>
           <a:bodyPr/>
           <a:lstStyle/>
@@ -5717,7 +6322,12 @@
             <p:ph idx="1"/>
           </p:nvPr>
         </p:nvSpPr>
-        <p:spPr/>
+        <p:spPr>
+          <a:xfrm>
+            <a:off x="1371600" y="1709625"/>
+            <a:ext cx="9601200" cy="3581400"/>
+          </a:xfrm>
+        </p:spPr>
         <p:txBody>
           <a:bodyPr/>
           <a:lstStyle/>
@@ -6225,7 +6835,12 @@
             <p:ph idx="1"/>
           </p:nvPr>
         </p:nvSpPr>
-        <p:spPr/>
+        <p:spPr>
+          <a:xfrm>
+            <a:off x="1332597" y="1761628"/>
+            <a:ext cx="9601200" cy="3581400"/>
+          </a:xfrm>
+        </p:spPr>
         <p:txBody>
           <a:bodyPr/>
           <a:lstStyle/>
@@ -6286,9 +6901,9 @@
 </file>
 
 <file path=ppt/theme/theme1.xml><?xml version="1.0" encoding="utf-8"?>
-<a:theme xmlns:a="http://schemas.openxmlformats.org/drawingml/2006/main" name="Office 主题​​">
+<a:theme xmlns:a="http://schemas.openxmlformats.org/drawingml/2006/main" name="剪切">
   <a:themeElements>
-    <a:clrScheme name="Office">
+    <a:clrScheme name="剪切">
       <a:dk1>
         <a:sysClr val="windowText" lastClr="000000"/>
       </a:dk1>
@@ -6296,100 +6911,48 @@
         <a:sysClr val="window" lastClr="FFFFFF"/>
       </a:lt1>
       <a:dk2>
-        <a:srgbClr val="44546A"/>
+        <a:srgbClr val="191B0E"/>
       </a:dk2>
       <a:lt2>
-        <a:srgbClr val="E7E6E6"/>
+        <a:srgbClr val="EFEDE3"/>
       </a:lt2>
       <a:accent1>
-        <a:srgbClr val="4472C4"/>
+        <a:srgbClr val="8C8D86"/>
       </a:accent1>
       <a:accent2>
-        <a:srgbClr val="ED7D31"/>
+        <a:srgbClr val="E6C069"/>
       </a:accent2>
       <a:accent3>
-        <a:srgbClr val="A5A5A5"/>
+        <a:srgbClr val="897B61"/>
       </a:accent3>
       <a:accent4>
-        <a:srgbClr val="FFC000"/>
+        <a:srgbClr val="8DAB8E"/>
       </a:accent4>
       <a:accent5>
-        <a:srgbClr val="5B9BD5"/>
+        <a:srgbClr val="77A2BB"/>
       </a:accent5>
       <a:accent6>
-        <a:srgbClr val="70AD47"/>
+        <a:srgbClr val="E28394"/>
       </a:accent6>
       <a:hlink>
-        <a:srgbClr val="0563C1"/>
+        <a:srgbClr val="77A2BB"/>
       </a:hlink>
       <a:folHlink>
-        <a:srgbClr val="954F72"/>
+        <a:srgbClr val="957A99"/>
       </a:folHlink>
     </a:clrScheme>
-    <a:fontScheme name="Office">
+    <a:fontScheme name="剪切">
       <a:majorFont>
-        <a:latin typeface="等线 Light" panose="020F0302020204030204"/>
+        <a:latin typeface="Franklin Gothic Book" panose="020B0503020102020204"/>
         <a:ea typeface=""/>
         <a:cs typeface=""/>
-        <a:font script="Jpan" typeface="游ゴシック Light"/>
-        <a:font script="Hang" typeface="맑은 고딕"/>
-        <a:font script="Hans" typeface="等线 Light"/>
-        <a:font script="Hant" typeface="新細明體"/>
-        <a:font script="Arab" typeface="Times New Roman"/>
-        <a:font script="Hebr" typeface="Times New Roman"/>
-        <a:font script="Thai" typeface="Angsana New"/>
-        <a:font script="Ethi" typeface="Nyala"/>
-        <a:font script="Beng" typeface="Vrinda"/>
-        <a:font script="Gujr" typeface="Shruti"/>
-        <a:font script="Khmr" typeface="MoolBoran"/>
-        <a:font script="Knda" typeface="Tunga"/>
-        <a:font script="Guru" typeface="Raavi"/>
-        <a:font script="Cans" typeface="Euphemia"/>
-        <a:font script="Cher" typeface="Plantagenet Cherokee"/>
-        <a:font script="Yiii" typeface="Microsoft Yi Baiti"/>
-        <a:font script="Tibt" typeface="Microsoft Himalaya"/>
-        <a:font script="Thaa" typeface="MV Boli"/>
-        <a:font script="Deva" typeface="Mangal"/>
-        <a:font script="Telu" typeface="Gautami"/>
-        <a:font script="Taml" typeface="Latha"/>
-        <a:font script="Syrc" typeface="Estrangelo Edessa"/>
-        <a:font script="Orya" typeface="Kalinga"/>
-        <a:font script="Mlym" typeface="Kartika"/>
-        <a:font script="Laoo" typeface="DokChampa"/>
-        <a:font script="Sinh" typeface="Iskoola Pota"/>
-        <a:font script="Mong" typeface="Mongolian Baiti"/>
-        <a:font script="Viet" typeface="Times New Roman"/>
-        <a:font script="Uigh" typeface="Microsoft Uighur"/>
-        <a:font script="Geor" typeface="Sylfaen"/>
-        <a:font script="Armn" typeface="Arial"/>
-        <a:font script="Bugi" typeface="Leelawadee UI"/>
-        <a:font script="Bopo" typeface="Microsoft JhengHei"/>
-        <a:font script="Java" typeface="Javanese Text"/>
-        <a:font script="Lisu" typeface="Segoe UI"/>
-        <a:font script="Mymr" typeface="Myanmar Text"/>
-        <a:font script="Nkoo" typeface="Ebrima"/>
-        <a:font script="Olck" typeface="Nirmala UI"/>
-        <a:font script="Osma" typeface="Ebrima"/>
-        <a:font script="Phag" typeface="Phagspa"/>
-        <a:font script="Syrn" typeface="Estrangelo Edessa"/>
-        <a:font script="Syrj" typeface="Estrangelo Edessa"/>
-        <a:font script="Syre" typeface="Estrangelo Edessa"/>
-        <a:font script="Sora" typeface="Nirmala UI"/>
-        <a:font script="Tale" typeface="Microsoft Tai Le"/>
-        <a:font script="Talu" typeface="Microsoft New Tai Lue"/>
-        <a:font script="Tfng" typeface="Ebrima"/>
-      </a:majorFont>
-      <a:minorFont>
-        <a:latin typeface="等线" panose="020F0502020204030204"/>
-        <a:ea typeface=""/>
-        <a:cs typeface=""/>
-        <a:font script="Jpan" typeface="游ゴシック"/>
-        <a:font script="Hang" typeface="맑은 고딕"/>
-        <a:font script="Hans" typeface="等线"/>
-        <a:font script="Hant" typeface="新細明體"/>
-        <a:font script="Arab" typeface="Arial"/>
-        <a:font script="Hebr" typeface="Arial"/>
-        <a:font script="Thai" typeface="Cordia New"/>
+        <a:font script="Jpan" typeface="メイリオ"/>
+        <a:font script="Hang" typeface="돋움"/>
+        <a:font script="Hans" typeface="华文楷体"/>
+        <a:font script="Hant" typeface="微軟正黑體"/>
+        <a:font script="Arab" typeface="Tahoma"/>
+        <a:font script="Hebr" typeface="Aharoni"/>
+        <a:font script="Thai" typeface="LilyUPC"/>
         <a:font script="Ethi" typeface="Nyala"/>
         <a:font script="Beng" typeface="Vrinda"/>
         <a:font script="Gujr" typeface="Shruti"/>
@@ -6410,29 +6973,47 @@
         <a:font script="Laoo" typeface="DokChampa"/>
         <a:font script="Sinh" typeface="Iskoola Pota"/>
         <a:font script="Mong" typeface="Mongolian Baiti"/>
-        <a:font script="Viet" typeface="Arial"/>
+        <a:font script="Viet" typeface="Tahoma"/>
         <a:font script="Uigh" typeface="Microsoft Uighur"/>
         <a:font script="Geor" typeface="Sylfaen"/>
-        <a:font script="Armn" typeface="Arial"/>
-        <a:font script="Bugi" typeface="Leelawadee UI"/>
-        <a:font script="Bopo" typeface="Microsoft JhengHei"/>
-        <a:font script="Java" typeface="Javanese Text"/>
-        <a:font script="Lisu" typeface="Segoe UI"/>
-        <a:font script="Mymr" typeface="Myanmar Text"/>
-        <a:font script="Nkoo" typeface="Ebrima"/>
-        <a:font script="Olck" typeface="Nirmala UI"/>
-        <a:font script="Osma" typeface="Ebrima"/>
-        <a:font script="Phag" typeface="Phagspa"/>
-        <a:font script="Syrn" typeface="Estrangelo Edessa"/>
-        <a:font script="Syrj" typeface="Estrangelo Edessa"/>
-        <a:font script="Syre" typeface="Estrangelo Edessa"/>
-        <a:font script="Sora" typeface="Nirmala UI"/>
-        <a:font script="Tale" typeface="Microsoft Tai Le"/>
-        <a:font script="Talu" typeface="Microsoft New Tai Lue"/>
-        <a:font script="Tfng" typeface="Ebrima"/>
+      </a:majorFont>
+      <a:minorFont>
+        <a:latin typeface="Franklin Gothic Book" panose="020B0503020102020204"/>
+        <a:ea typeface=""/>
+        <a:cs typeface=""/>
+        <a:font script="Jpan" typeface="メイリオ"/>
+        <a:font script="Hang" typeface="돋움"/>
+        <a:font script="Hans" typeface="华文楷体"/>
+        <a:font script="Hant" typeface="微軟正黑體"/>
+        <a:font script="Arab" typeface="Tahoma"/>
+        <a:font script="Hebr" typeface="Aharoni"/>
+        <a:font script="Thai" typeface="LilyUPC"/>
+        <a:font script="Ethi" typeface="Nyala"/>
+        <a:font script="Beng" typeface="Vrinda"/>
+        <a:font script="Gujr" typeface="Shruti"/>
+        <a:font script="Khmr" typeface="DaunPenh"/>
+        <a:font script="Knda" typeface="Tunga"/>
+        <a:font script="Guru" typeface="Raavi"/>
+        <a:font script="Cans" typeface="Euphemia"/>
+        <a:font script="Cher" typeface="Plantagenet Cherokee"/>
+        <a:font script="Yiii" typeface="Microsoft Yi Baiti"/>
+        <a:font script="Tibt" typeface="Microsoft Himalaya"/>
+        <a:font script="Thaa" typeface="MV Boli"/>
+        <a:font script="Deva" typeface="Mangal"/>
+        <a:font script="Telu" typeface="Gautami"/>
+        <a:font script="Taml" typeface="Latha"/>
+        <a:font script="Syrc" typeface="Estrangelo Edessa"/>
+        <a:font script="Orya" typeface="Kalinga"/>
+        <a:font script="Mlym" typeface="Kartika"/>
+        <a:font script="Laoo" typeface="DokChampa"/>
+        <a:font script="Sinh" typeface="Iskoola Pota"/>
+        <a:font script="Mong" typeface="Mongolian Baiti"/>
+        <a:font script="Viet" typeface="Tahoma"/>
+        <a:font script="Uigh" typeface="Microsoft Uighur"/>
+        <a:font script="Geor" typeface="Sylfaen"/>
       </a:minorFont>
     </a:fontScheme>
-    <a:fmtScheme name="Office">
+    <a:fmtScheme name="剪切">
       <a:fillStyleLst>
         <a:solidFill>
           <a:schemeClr val="phClr"/>
@@ -6441,23 +7022,23 @@
           <a:gsLst>
             <a:gs pos="0">
               <a:schemeClr val="phClr">
+                <a:tint val="67000"/>
+                <a:satMod val="105000"/>
                 <a:lumMod val="110000"/>
-                <a:satMod val="105000"/>
-                <a:tint val="67000"/>
               </a:schemeClr>
             </a:gs>
             <a:gs pos="50000">
               <a:schemeClr val="phClr">
+                <a:tint val="73000"/>
+                <a:satMod val="103000"/>
                 <a:lumMod val="105000"/>
-                <a:satMod val="103000"/>
-                <a:tint val="73000"/>
               </a:schemeClr>
             </a:gs>
             <a:gs pos="100000">
               <a:schemeClr val="phClr">
+                <a:tint val="81000"/>
+                <a:satMod val="109000"/>
                 <a:lumMod val="105000"/>
-                <a:satMod val="109000"/>
-                <a:tint val="81000"/>
               </a:schemeClr>
             </a:gs>
           </a:gsLst>
@@ -6467,23 +7048,23 @@
           <a:gsLst>
             <a:gs pos="0">
               <a:schemeClr val="phClr">
+                <a:tint val="94000"/>
                 <a:satMod val="103000"/>
                 <a:lumMod val="102000"/>
-                <a:tint val="94000"/>
               </a:schemeClr>
             </a:gs>
             <a:gs pos="50000">
               <a:schemeClr val="phClr">
+                <a:shade val="100000"/>
                 <a:satMod val="110000"/>
                 <a:lumMod val="100000"/>
-                <a:shade val="100000"/>
               </a:schemeClr>
             </a:gs>
             <a:gs pos="100000">
               <a:schemeClr val="phClr">
+                <a:shade val="78000"/>
+                <a:satMod val="120000"/>
                 <a:lumMod val="99000"/>
-                <a:satMod val="120000"/>
-                <a:shade val="78000"/>
               </a:schemeClr>
             </a:gs>
           </a:gsLst>
@@ -6491,26 +7072,23 @@
         </a:gradFill>
       </a:fillStyleLst>
       <a:lnStyleLst>
-        <a:ln w="6350" cap="flat" cmpd="sng" algn="ctr">
+        <a:ln w="6350" cap="flat" cmpd="sng" algn="in">
           <a:solidFill>
             <a:schemeClr val="phClr"/>
           </a:solidFill>
           <a:prstDash val="solid"/>
-          <a:miter lim="800000"/>
         </a:ln>
-        <a:ln w="12700" cap="flat" cmpd="sng" algn="ctr">
+        <a:ln w="34925" cap="flat" cmpd="sng" algn="in">
           <a:solidFill>
             <a:schemeClr val="phClr"/>
           </a:solidFill>
           <a:prstDash val="solid"/>
-          <a:miter lim="800000"/>
         </a:ln>
-        <a:ln w="19050" cap="flat" cmpd="sng" algn="ctr">
+        <a:ln w="19050" cap="flat" cmpd="sng" algn="in">
           <a:solidFill>
             <a:schemeClr val="phClr"/>
           </a:solidFill>
           <a:prstDash val="solid"/>
-          <a:miter lim="800000"/>
         </a:ln>
       </a:lnStyleLst>
       <a:effectStyleLst>
@@ -6524,7 +7102,7 @@
           <a:effectLst>
             <a:outerShdw blurRad="57150" dist="19050" dir="5400000" algn="ctr" rotWithShape="0">
               <a:srgbClr val="000000">
-                <a:alpha val="63000"/>
+                <a:alpha val="35000"/>
               </a:srgbClr>
             </a:outerShdw>
           </a:effectLst>
@@ -6545,16 +7123,16 @@
             <a:gs pos="0">
               <a:schemeClr val="phClr">
                 <a:tint val="93000"/>
+                <a:shade val="98000"/>
                 <a:satMod val="150000"/>
-                <a:shade val="98000"/>
                 <a:lumMod val="102000"/>
               </a:schemeClr>
             </a:gs>
             <a:gs pos="50000">
               <a:schemeClr val="phClr">
                 <a:tint val="98000"/>
+                <a:shade val="90000"/>
                 <a:satMod val="130000"/>
-                <a:shade val="90000"/>
                 <a:lumMod val="103000"/>
               </a:schemeClr>
             </a:gs>
@@ -6574,7 +7152,7 @@
   <a:extraClrSchemeLst/>
   <a:extLst>
     <a:ext uri="{05A4C25C-085E-4340-85A3-A5531E510DB2}">
-      <thm15:themeFamily xmlns:thm15="http://schemas.microsoft.com/office/thememl/2012/main" name="Office Theme" id="{62F939B6-93AF-4DB8-9C6B-D6C7DFDC589F}" vid="{4A3C46E8-61CC-4603-A589-7422A47A8E4A}"/>
+      <thm15:themeFamily xmlns:thm15="http://schemas.microsoft.com/office/thememl/2012/main" name="Crop" id="{EC9488ED-E761-4D60-9AC4-764D1FE2C171}" vid="{CE19780C-D67D-4C13-9DE9-A52BC3BA51B4}"/>
     </a:ext>
   </a:extLst>
 </a:theme>
